--- a/Covid-19 Presentation Team GEM.pptx
+++ b/Covid-19 Presentation Team GEM.pptx
@@ -7,11 +7,17 @@
   <p:sldIdLst>
     <p:sldId id="256" r:id="rId2"/>
     <p:sldId id="257" r:id="rId3"/>
-    <p:sldId id="258" r:id="rId4"/>
-    <p:sldId id="262" r:id="rId5"/>
-    <p:sldId id="259" r:id="rId6"/>
-    <p:sldId id="260" r:id="rId7"/>
-    <p:sldId id="261" r:id="rId8"/>
+    <p:sldId id="263" r:id="rId4"/>
+    <p:sldId id="264" r:id="rId5"/>
+    <p:sldId id="268" r:id="rId6"/>
+    <p:sldId id="259" r:id="rId7"/>
+    <p:sldId id="265" r:id="rId8"/>
+    <p:sldId id="258" r:id="rId9"/>
+    <p:sldId id="262" r:id="rId10"/>
+    <p:sldId id="260" r:id="rId11"/>
+    <p:sldId id="261" r:id="rId12"/>
+    <p:sldId id="267" r:id="rId13"/>
+    <p:sldId id="266" r:id="rId14"/>
   </p:sldIdLst>
   <p:sldSz cx="12192000" cy="6858000"/>
   <p:notesSz cx="6858000" cy="9144000"/>
@@ -110,6 +116,11 @@
       </a:defRPr>
     </a:lvl9pPr>
   </p:defaultTextStyle>
+  <p:extLst>
+    <p:ext uri="{EFAFB233-063F-42B5-8137-9DF3F51BA10A}">
+      <p15:sldGuideLst xmlns:p15="http://schemas.microsoft.com/office/powerpoint/2012/main"/>
+    </p:ext>
+  </p:extLst>
 </p:presentation>
 </file>
 
@@ -582,7 +593,7 @@
           <a:p>
             <a:fld id="{EA0C0817-A112-4847-8014-A94B7D2A4EA3}" type="datetime1">
               <a:rPr lang="en-US" smtClean="0"/>
-              <a:t>5/3/21</a:t>
+              <a:t>5/3/2021</a:t>
             </a:fld>
             <a:endParaRPr lang="en-US" dirty="0"/>
           </a:p>
@@ -784,7 +795,7 @@
           <a:p>
             <a:fld id="{134F40B7-36AB-4376-BE14-EF7004D79BB9}" type="datetime1">
               <a:rPr lang="en-US" smtClean="0"/>
-              <a:t>5/3/21</a:t>
+              <a:t>5/3/2021</a:t>
             </a:fld>
             <a:endParaRPr lang="en-US"/>
           </a:p>
@@ -964,7 +975,7 @@
           <a:p>
             <a:fld id="{FF87CAB8-DCAE-46A5-AADA-B3FAD11A54E0}" type="datetime1">
               <a:rPr lang="en-US" smtClean="0"/>
-              <a:t>5/3/21</a:t>
+              <a:t>5/3/2021</a:t>
             </a:fld>
             <a:endParaRPr lang="en-US"/>
           </a:p>
@@ -1134,7 +1145,7 @@
           <a:p>
             <a:fld id="{7332B432-ACDA-4023-A761-2BAB76577B62}" type="datetime1">
               <a:rPr lang="en-US" smtClean="0"/>
-              <a:t>5/3/21</a:t>
+              <a:t>5/3/2021</a:t>
             </a:fld>
             <a:endParaRPr lang="en-US"/>
           </a:p>
@@ -1733,7 +1744,7 @@
           <a:p>
             <a:fld id="{D9C646AA-F36E-4540-911D-FFFC0A0EF24A}" type="datetime1">
               <a:rPr lang="en-US" smtClean="0"/>
-              <a:t>5/3/21</a:t>
+              <a:t>5/3/2021</a:t>
             </a:fld>
             <a:endParaRPr lang="en-US" dirty="0"/>
           </a:p>
@@ -2053,7 +2064,7 @@
           <a:p>
             <a:fld id="{69186D26-FA5F-4637-B602-B7C2DC34CFD4}" type="datetime1">
               <a:rPr lang="en-US" smtClean="0"/>
-              <a:t>5/3/21</a:t>
+              <a:t>5/3/2021</a:t>
             </a:fld>
             <a:endParaRPr lang="en-US"/>
           </a:p>
@@ -2488,7 +2499,7 @@
           <a:p>
             <a:fld id="{8A7F15D8-96D1-4781-BC50-CA8A088B2FE4}" type="datetime1">
               <a:rPr lang="en-US" smtClean="0"/>
-              <a:t>5/3/21</a:t>
+              <a:t>5/3/2021</a:t>
             </a:fld>
             <a:endParaRPr lang="en-US"/>
           </a:p>
@@ -2606,7 +2617,7 @@
           <a:p>
             <a:fld id="{F9A96C99-B8F8-4528-BD05-0E16E943DC09}" type="datetime1">
               <a:rPr lang="en-US" smtClean="0"/>
-              <a:t>5/3/21</a:t>
+              <a:t>5/3/2021</a:t>
             </a:fld>
             <a:endParaRPr lang="en-US"/>
           </a:p>
@@ -2701,7 +2712,7 @@
           <a:p>
             <a:fld id="{03636942-C211-4B28-8DBD-C953E00AF71B}" type="datetime1">
               <a:rPr lang="en-US" smtClean="0"/>
-              <a:t>5/3/21</a:t>
+              <a:t>5/3/2021</a:t>
             </a:fld>
             <a:endParaRPr lang="en-US"/>
           </a:p>
@@ -3118,7 +3129,7 @@
           <a:p>
             <a:fld id="{7E8D12A6-918A-48BD-8CB9-CA713993B0EA}" type="datetime1">
               <a:rPr lang="en-US" smtClean="0"/>
-              <a:t>5/3/21</a:t>
+              <a:t>5/3/2021</a:t>
             </a:fld>
             <a:endParaRPr lang="en-US"/>
           </a:p>
@@ -3380,7 +3391,7 @@
             <a:fld id="{E778CE86-875F-4587-BCF6-FA054AFC0D53}" type="datetime1">
               <a:rPr lang="en-US" smtClean="0"/>
               <a:pPr/>
-              <a:t>5/3/21</a:t>
+              <a:t>5/3/2021</a:t>
             </a:fld>
             <a:endParaRPr lang="en-US" dirty="0"/>
           </a:p>
@@ -3896,7 +3907,7 @@
           <a:p>
             <a:fld id="{F6FA2B21-3FCD-4721-B95C-427943F61125}" type="datetime1">
               <a:rPr lang="en-US" smtClean="0"/>
-              <a:t>5/3/21</a:t>
+              <a:t>5/3/2021</a:t>
             </a:fld>
             <a:endParaRPr lang="en-US"/>
           </a:p>
@@ -4603,6 +4614,391 @@
 </p:sld>
 </file>
 
+<file path=ppt/slides/slide10.xml><?xml version="1.0" encoding="utf-8"?>
+<p:sld xmlns:a="http://schemas.openxmlformats.org/drawingml/2006/main" xmlns:r="http://schemas.openxmlformats.org/officeDocument/2006/relationships" xmlns:p="http://schemas.openxmlformats.org/presentationml/2006/main">
+  <p:cSld>
+    <p:spTree>
+      <p:nvGrpSpPr>
+        <p:cNvPr id="1" name=""/>
+        <p:cNvGrpSpPr/>
+        <p:nvPr/>
+      </p:nvGrpSpPr>
+      <p:grpSpPr>
+        <a:xfrm>
+          <a:off x="0" y="0"/>
+          <a:ext cx="0" cy="0"/>
+          <a:chOff x="0" y="0"/>
+          <a:chExt cx="0" cy="0"/>
+        </a:xfrm>
+      </p:grpSpPr>
+      <p:sp>
+        <p:nvSpPr>
+          <p:cNvPr id="2" name="Title 1">
+            <a:extLst>
+              <a:ext uri="{FF2B5EF4-FFF2-40B4-BE49-F238E27FC236}">
+                <a16:creationId xmlns:a16="http://schemas.microsoft.com/office/drawing/2014/main" id="{22DD97DF-4CD2-DC48-B47A-02CEB01A9C32}"/>
+              </a:ext>
+            </a:extLst>
+          </p:cNvPr>
+          <p:cNvSpPr>
+            <a:spLocks noGrp="1"/>
+          </p:cNvSpPr>
+          <p:nvPr>
+            <p:ph type="title"/>
+          </p:nvPr>
+        </p:nvSpPr>
+        <p:spPr/>
+        <p:txBody>
+          <a:bodyPr/>
+          <a:lstStyle/>
+          <a:p>
+            <a:r>
+              <a:rPr lang="en-US" dirty="0"/>
+              <a:t>Population</a:t>
+            </a:r>
+          </a:p>
+        </p:txBody>
+      </p:sp>
+      <p:sp>
+        <p:nvSpPr>
+          <p:cNvPr id="3" name="Content Placeholder 2">
+            <a:extLst>
+              <a:ext uri="{FF2B5EF4-FFF2-40B4-BE49-F238E27FC236}">
+                <a16:creationId xmlns:a16="http://schemas.microsoft.com/office/drawing/2014/main" id="{2EB170B8-550E-6A4A-989D-A094EE84AF77}"/>
+              </a:ext>
+            </a:extLst>
+          </p:cNvPr>
+          <p:cNvSpPr>
+            <a:spLocks noGrp="1"/>
+          </p:cNvSpPr>
+          <p:nvPr>
+            <p:ph idx="1"/>
+          </p:nvPr>
+        </p:nvSpPr>
+        <p:spPr/>
+        <p:txBody>
+          <a:bodyPr/>
+          <a:lstStyle/>
+          <a:p>
+            <a:endParaRPr lang="en-US"/>
+          </a:p>
+        </p:txBody>
+      </p:sp>
+    </p:spTree>
+    <p:extLst>
+      <p:ext uri="{BB962C8B-B14F-4D97-AF65-F5344CB8AC3E}">
+        <p14:creationId xmlns:p14="http://schemas.microsoft.com/office/powerpoint/2010/main" val="2449751523"/>
+      </p:ext>
+    </p:extLst>
+  </p:cSld>
+  <p:clrMapOvr>
+    <a:masterClrMapping/>
+  </p:clrMapOvr>
+</p:sld>
+</file>
+
+<file path=ppt/slides/slide11.xml><?xml version="1.0" encoding="utf-8"?>
+<p:sld xmlns:a="http://schemas.openxmlformats.org/drawingml/2006/main" xmlns:r="http://schemas.openxmlformats.org/officeDocument/2006/relationships" xmlns:p="http://schemas.openxmlformats.org/presentationml/2006/main">
+  <p:cSld>
+    <p:spTree>
+      <p:nvGrpSpPr>
+        <p:cNvPr id="1" name=""/>
+        <p:cNvGrpSpPr/>
+        <p:nvPr/>
+      </p:nvGrpSpPr>
+      <p:grpSpPr>
+        <a:xfrm>
+          <a:off x="0" y="0"/>
+          <a:ext cx="0" cy="0"/>
+          <a:chOff x="0" y="0"/>
+          <a:chExt cx="0" cy="0"/>
+        </a:xfrm>
+      </p:grpSpPr>
+      <p:sp>
+        <p:nvSpPr>
+          <p:cNvPr id="2" name="Title 1">
+            <a:extLst>
+              <a:ext uri="{FF2B5EF4-FFF2-40B4-BE49-F238E27FC236}">
+                <a16:creationId xmlns:a16="http://schemas.microsoft.com/office/drawing/2014/main" id="{A303C04E-8AE0-D940-AB63-54387CA7B5C7}"/>
+              </a:ext>
+            </a:extLst>
+          </p:cNvPr>
+          <p:cNvSpPr>
+            <a:spLocks noGrp="1"/>
+          </p:cNvSpPr>
+          <p:nvPr>
+            <p:ph type="title"/>
+          </p:nvPr>
+        </p:nvSpPr>
+        <p:spPr/>
+        <p:txBody>
+          <a:bodyPr/>
+          <a:lstStyle/>
+          <a:p>
+            <a:r>
+              <a:rPr lang="en-US" dirty="0"/>
+              <a:t>Transparency</a:t>
+            </a:r>
+          </a:p>
+        </p:txBody>
+      </p:sp>
+      <p:sp>
+        <p:nvSpPr>
+          <p:cNvPr id="3" name="Content Placeholder 2">
+            <a:extLst>
+              <a:ext uri="{FF2B5EF4-FFF2-40B4-BE49-F238E27FC236}">
+                <a16:creationId xmlns:a16="http://schemas.microsoft.com/office/drawing/2014/main" id="{C0AC43B4-014B-E445-B6BE-74BDD851C0BE}"/>
+              </a:ext>
+            </a:extLst>
+          </p:cNvPr>
+          <p:cNvSpPr>
+            <a:spLocks noGrp="1"/>
+          </p:cNvSpPr>
+          <p:nvPr>
+            <p:ph idx="1"/>
+          </p:nvPr>
+        </p:nvSpPr>
+        <p:spPr/>
+        <p:txBody>
+          <a:bodyPr/>
+          <a:lstStyle/>
+          <a:p>
+            <a:endParaRPr lang="en-US" dirty="0"/>
+          </a:p>
+        </p:txBody>
+      </p:sp>
+    </p:spTree>
+    <p:extLst>
+      <p:ext uri="{BB962C8B-B14F-4D97-AF65-F5344CB8AC3E}">
+        <p14:creationId xmlns:p14="http://schemas.microsoft.com/office/powerpoint/2010/main" val="3274679385"/>
+      </p:ext>
+    </p:extLst>
+  </p:cSld>
+  <p:clrMapOvr>
+    <a:masterClrMapping/>
+  </p:clrMapOvr>
+</p:sld>
+</file>
+
+<file path=ppt/slides/slide12.xml><?xml version="1.0" encoding="utf-8"?>
+<p:sld xmlns:a="http://schemas.openxmlformats.org/drawingml/2006/main" xmlns:r="http://schemas.openxmlformats.org/officeDocument/2006/relationships" xmlns:p="http://schemas.openxmlformats.org/presentationml/2006/main">
+  <p:cSld>
+    <p:spTree>
+      <p:nvGrpSpPr>
+        <p:cNvPr id="1" name=""/>
+        <p:cNvGrpSpPr/>
+        <p:nvPr/>
+      </p:nvGrpSpPr>
+      <p:grpSpPr>
+        <a:xfrm>
+          <a:off x="0" y="0"/>
+          <a:ext cx="0" cy="0"/>
+          <a:chOff x="0" y="0"/>
+          <a:chExt cx="0" cy="0"/>
+        </a:xfrm>
+      </p:grpSpPr>
+      <p:sp>
+        <p:nvSpPr>
+          <p:cNvPr id="2" name="Title 1">
+            <a:extLst>
+              <a:ext uri="{FF2B5EF4-FFF2-40B4-BE49-F238E27FC236}">
+                <a16:creationId xmlns:a16="http://schemas.microsoft.com/office/drawing/2014/main" id="{A7F65165-02CA-4F0C-939D-C80C31C2D355}"/>
+              </a:ext>
+            </a:extLst>
+          </p:cNvPr>
+          <p:cNvSpPr>
+            <a:spLocks noGrp="1"/>
+          </p:cNvSpPr>
+          <p:nvPr>
+            <p:ph type="title"/>
+          </p:nvPr>
+        </p:nvSpPr>
+        <p:spPr/>
+        <p:txBody>
+          <a:bodyPr/>
+          <a:lstStyle/>
+          <a:p>
+            <a:r>
+              <a:rPr lang="en-US" dirty="0"/>
+              <a:t>Challenges</a:t>
+            </a:r>
+          </a:p>
+        </p:txBody>
+      </p:sp>
+      <p:sp>
+        <p:nvSpPr>
+          <p:cNvPr id="3" name="Content Placeholder 2">
+            <a:extLst>
+              <a:ext uri="{FF2B5EF4-FFF2-40B4-BE49-F238E27FC236}">
+                <a16:creationId xmlns:a16="http://schemas.microsoft.com/office/drawing/2014/main" id="{5FA90F36-2335-4218-B022-09FDC81E5A48}"/>
+              </a:ext>
+            </a:extLst>
+          </p:cNvPr>
+          <p:cNvSpPr>
+            <a:spLocks noGrp="1"/>
+          </p:cNvSpPr>
+          <p:nvPr>
+            <p:ph idx="1"/>
+          </p:nvPr>
+        </p:nvSpPr>
+        <p:spPr/>
+        <p:txBody>
+          <a:bodyPr/>
+          <a:lstStyle/>
+          <a:p>
+            <a:r>
+              <a:rPr lang="en-US" dirty="0"/>
+              <a:t>Uniformity in reporting was lacking</a:t>
+            </a:r>
+          </a:p>
+          <a:p>
+            <a:endParaRPr lang="en-US" dirty="0"/>
+          </a:p>
+        </p:txBody>
+      </p:sp>
+    </p:spTree>
+    <p:extLst>
+      <p:ext uri="{BB962C8B-B14F-4D97-AF65-F5344CB8AC3E}">
+        <p14:creationId xmlns:p14="http://schemas.microsoft.com/office/powerpoint/2010/main" val="2285563058"/>
+      </p:ext>
+    </p:extLst>
+  </p:cSld>
+  <p:clrMapOvr>
+    <a:masterClrMapping/>
+  </p:clrMapOvr>
+</p:sld>
+</file>
+
+<file path=ppt/slides/slide13.xml><?xml version="1.0" encoding="utf-8"?>
+<p:sld xmlns:a="http://schemas.openxmlformats.org/drawingml/2006/main" xmlns:r="http://schemas.openxmlformats.org/officeDocument/2006/relationships" xmlns:p="http://schemas.openxmlformats.org/presentationml/2006/main">
+  <p:cSld>
+    <p:spTree>
+      <p:nvGrpSpPr>
+        <p:cNvPr id="1" name=""/>
+        <p:cNvGrpSpPr/>
+        <p:nvPr/>
+      </p:nvGrpSpPr>
+      <p:grpSpPr>
+        <a:xfrm>
+          <a:off x="0" y="0"/>
+          <a:ext cx="0" cy="0"/>
+          <a:chOff x="0" y="0"/>
+          <a:chExt cx="0" cy="0"/>
+        </a:xfrm>
+      </p:grpSpPr>
+      <p:sp>
+        <p:nvSpPr>
+          <p:cNvPr id="2" name="Title 1">
+            <a:extLst>
+              <a:ext uri="{FF2B5EF4-FFF2-40B4-BE49-F238E27FC236}">
+                <a16:creationId xmlns:a16="http://schemas.microsoft.com/office/drawing/2014/main" id="{39BDE368-CFB5-438B-A06D-ACA31B7645EB}"/>
+              </a:ext>
+            </a:extLst>
+          </p:cNvPr>
+          <p:cNvSpPr>
+            <a:spLocks noGrp="1"/>
+          </p:cNvSpPr>
+          <p:nvPr>
+            <p:ph type="title"/>
+          </p:nvPr>
+        </p:nvSpPr>
+        <p:spPr/>
+        <p:txBody>
+          <a:bodyPr/>
+          <a:lstStyle/>
+          <a:p>
+            <a:r>
+              <a:rPr lang="en-US" dirty="0"/>
+              <a:t>Suggestions Future Research</a:t>
+            </a:r>
+          </a:p>
+        </p:txBody>
+      </p:sp>
+      <p:sp>
+        <p:nvSpPr>
+          <p:cNvPr id="3" name="Content Placeholder 2">
+            <a:extLst>
+              <a:ext uri="{FF2B5EF4-FFF2-40B4-BE49-F238E27FC236}">
+                <a16:creationId xmlns:a16="http://schemas.microsoft.com/office/drawing/2014/main" id="{20B7F56B-5D34-4959-9F23-F337D948F871}"/>
+              </a:ext>
+            </a:extLst>
+          </p:cNvPr>
+          <p:cNvSpPr>
+            <a:spLocks noGrp="1"/>
+          </p:cNvSpPr>
+          <p:nvPr>
+            <p:ph idx="1"/>
+          </p:nvPr>
+        </p:nvSpPr>
+        <p:spPr/>
+        <p:txBody>
+          <a:bodyPr/>
+          <a:lstStyle/>
+          <a:p>
+            <a:r>
+              <a:rPr lang="en-US" dirty="0"/>
+              <a:t>Likely an information bias</a:t>
+            </a:r>
+          </a:p>
+          <a:p>
+            <a:pPr lvl="1"/>
+            <a:r>
+              <a:rPr lang="en-US" dirty="0"/>
+              <a:t>Need data for percent positivity or tests per capita by county</a:t>
+            </a:r>
+          </a:p>
+          <a:p>
+            <a:pPr lvl="1"/>
+            <a:r>
+              <a:rPr lang="en-US" dirty="0"/>
+              <a:t>Examples of this data fell woefully short but potentially could be piecemealed together</a:t>
+            </a:r>
+          </a:p>
+          <a:p>
+            <a:r>
+              <a:rPr lang="en-US" dirty="0"/>
+              <a:t>Look at more granular data</a:t>
+            </a:r>
+          </a:p>
+          <a:p>
+            <a:pPr lvl="1"/>
+            <a:r>
+              <a:rPr lang="en-US" dirty="0"/>
+              <a:t>Lots of noise at the national level</a:t>
+            </a:r>
+          </a:p>
+          <a:p>
+            <a:pPr lvl="1"/>
+            <a:r>
+              <a:rPr lang="en-US" dirty="0"/>
+              <a:t>Population/population density not well understood at national level</a:t>
+            </a:r>
+          </a:p>
+          <a:p>
+            <a:r>
+              <a:rPr lang="en-US" dirty="0"/>
+              <a:t>Need more vaccination data</a:t>
+            </a:r>
+          </a:p>
+          <a:p>
+            <a:pPr lvl="1"/>
+            <a:endParaRPr lang="en-US" dirty="0"/>
+          </a:p>
+        </p:txBody>
+      </p:sp>
+    </p:spTree>
+    <p:extLst>
+      <p:ext uri="{BB962C8B-B14F-4D97-AF65-F5344CB8AC3E}">
+        <p14:creationId xmlns:p14="http://schemas.microsoft.com/office/powerpoint/2010/main" val="14348650"/>
+      </p:ext>
+    </p:extLst>
+  </p:cSld>
+  <p:clrMapOvr>
+    <a:masterClrMapping/>
+  </p:clrMapOvr>
+</p:sld>
+</file>
+
 <file path=ppt/slides/slide2.xml><?xml version="1.0" encoding="utf-8"?>
 <p:sld xmlns:a="http://schemas.openxmlformats.org/drawingml/2006/main" xmlns:r="http://schemas.openxmlformats.org/officeDocument/2006/relationships" xmlns:p="http://schemas.openxmlformats.org/presentationml/2006/main">
   <p:cSld>
@@ -4679,21 +5075,28 @@
             <a:pPr lvl="1"/>
             <a:r>
               <a:rPr lang="en-US" sz="1400" dirty="0"/>
-              <a:t>Define the core message (hypothesis) of your project.</a:t>
+              <a:t>Richer and more developed countries should fair better during the pandemic</a:t>
             </a:r>
           </a:p>
           <a:p>
             <a:pPr lvl="1"/>
             <a:r>
               <a:rPr lang="en-US" sz="1400" dirty="0"/>
-              <a:t>Describe the questions you asked, and why you asked them</a:t>
+              <a:t>Look at various factors we believed might be at play</a:t>
             </a:r>
           </a:p>
           <a:p>
             <a:pPr lvl="1"/>
             <a:r>
               <a:rPr lang="en-US" sz="1400" dirty="0"/>
-              <a:t>Describe whether you were able to answer these questions to your satisfaction, and briefly summarize your findings</a:t>
+              <a:t>Determined that there may be information bias – higher GDP countries had better testing and reporting</a:t>
+            </a:r>
+          </a:p>
+          <a:p>
+            <a:pPr lvl="1"/>
+            <a:r>
+              <a:rPr lang="en-US" sz="1400" dirty="0"/>
+              <a:t>We thought transparency might play a role</a:t>
             </a:r>
           </a:p>
           <a:p>
@@ -4736,7 +5139,7 @@
           <p:cNvPr id="2" name="Title 1">
             <a:extLst>
               <a:ext uri="{FF2B5EF4-FFF2-40B4-BE49-F238E27FC236}">
-                <a16:creationId xmlns:a16="http://schemas.microsoft.com/office/drawing/2014/main" id="{70344A4F-DB98-504A-B055-51A6F7CB5B99}"/>
+                <a16:creationId xmlns:a16="http://schemas.microsoft.com/office/drawing/2014/main" id="{37DE88FC-A47F-4E43-A39C-6EF120C86BDB}"/>
               </a:ext>
             </a:extLst>
           </p:cNvPr>
@@ -4749,8 +5152,8 @@
         </p:nvSpPr>
         <p:spPr>
           <a:xfrm>
-            <a:off x="365343" y="367022"/>
-            <a:ext cx="10058400" cy="772846"/>
+            <a:off x="656253" y="4813377"/>
+            <a:ext cx="2805404" cy="1371600"/>
           </a:xfrm>
         </p:spPr>
         <p:txBody>
@@ -4759,17 +5162,17 @@
           <a:p>
             <a:r>
               <a:rPr lang="en-US" dirty="0"/>
-              <a:t>GDP</a:t>
+              <a:t>Dataset</a:t>
             </a:r>
           </a:p>
         </p:txBody>
       </p:sp>
       <p:pic>
         <p:nvPicPr>
-          <p:cNvPr id="5" name="Content Placeholder 4" descr="A map of the world&#10;&#10;Description automatically generated">
+          <p:cNvPr id="4" name="Content Placeholder 3">
             <a:extLst>
               <a:ext uri="{FF2B5EF4-FFF2-40B4-BE49-F238E27FC236}">
-                <a16:creationId xmlns:a16="http://schemas.microsoft.com/office/drawing/2014/main" id="{C76AD6D5-E24C-E04F-A620-66C295785BA9}"/>
+                <a16:creationId xmlns:a16="http://schemas.microsoft.com/office/drawing/2014/main" id="{14FA10E0-4037-4869-99DE-B01012F38909}"/>
               </a:ext>
             </a:extLst>
           </p:cNvPr>
@@ -4788,17 +5191,20 @@
         </p:blipFill>
         <p:spPr>
           <a:xfrm>
-            <a:off x="2497152" y="2427490"/>
-            <a:ext cx="7623877" cy="4063488"/>
-          </a:xfrm>
+            <a:off x="1001485" y="830727"/>
+            <a:ext cx="10058400" cy="3446632"/>
+          </a:xfrm>
+          <a:prstGeom prst="rect">
+            <a:avLst/>
+          </a:prstGeom>
         </p:spPr>
       </p:pic>
       <p:sp>
         <p:nvSpPr>
-          <p:cNvPr id="6" name="TextBox 5">
+          <p:cNvPr id="5" name="TextBox 4">
             <a:extLst>
               <a:ext uri="{FF2B5EF4-FFF2-40B4-BE49-F238E27FC236}">
-                <a16:creationId xmlns:a16="http://schemas.microsoft.com/office/drawing/2014/main" id="{53F3B029-2F8B-6D44-8824-A13ECE0CBCEA}"/>
+                <a16:creationId xmlns:a16="http://schemas.microsoft.com/office/drawing/2014/main" id="{4162FBED-32F3-4664-9283-09716C083069}"/>
               </a:ext>
             </a:extLst>
           </p:cNvPr>
@@ -4807,8 +5213,8 @@
         </p:nvSpPr>
         <p:spPr>
           <a:xfrm>
-            <a:off x="901874" y="1139868"/>
-            <a:ext cx="9068844" cy="369332"/>
+            <a:off x="3461658" y="4954555"/>
+            <a:ext cx="7598228" cy="830997"/>
           </a:xfrm>
           <a:prstGeom prst="rect">
             <a:avLst/>
@@ -4822,8 +5228,17 @@
           <a:lstStyle/>
           <a:p>
             <a:r>
-              <a:rPr lang="en-US" dirty="0"/>
-              <a:t>Blah blah blah, very important things about what we assumed</a:t>
+              <a:rPr lang="en-US" sz="1600" dirty="0"/>
+              <a:t>Independent Variables: Population, GDP, HDI, CPI, Cases</a:t>
+            </a:r>
+          </a:p>
+          <a:p>
+            <a:endParaRPr lang="en-US" sz="1600" dirty="0"/>
+          </a:p>
+          <a:p>
+            <a:r>
+              <a:rPr lang="en-US" sz="1600" dirty="0"/>
+              <a:t>Dependent Variables: Cases, Deaths</a:t>
             </a:r>
           </a:p>
         </p:txBody>
@@ -4831,7 +5246,7 @@
     </p:spTree>
     <p:extLst>
       <p:ext uri="{BB962C8B-B14F-4D97-AF65-F5344CB8AC3E}">
-        <p14:creationId xmlns:p14="http://schemas.microsoft.com/office/powerpoint/2010/main" val="1111871775"/>
+        <p14:creationId xmlns:p14="http://schemas.microsoft.com/office/powerpoint/2010/main" val="1986375067"/>
       </p:ext>
     </p:extLst>
   </p:cSld>
@@ -4863,7 +5278,7 @@
           <p:cNvPr id="2" name="Title 1">
             <a:extLst>
               <a:ext uri="{FF2B5EF4-FFF2-40B4-BE49-F238E27FC236}">
-                <a16:creationId xmlns:a16="http://schemas.microsoft.com/office/drawing/2014/main" id="{9BA9EBF2-9833-614C-AB61-8CCB9FD424BC}"/>
+                <a16:creationId xmlns:a16="http://schemas.microsoft.com/office/drawing/2014/main" id="{CF004754-255B-4DCB-B53A-9ABA76A7539A}"/>
               </a:ext>
             </a:extLst>
           </p:cNvPr>
@@ -4881,7 +5296,7 @@
           <a:p>
             <a:r>
               <a:rPr lang="en-US" dirty="0"/>
-              <a:t>GDP Scatter</a:t>
+              <a:t>Data exploration, clean up &amp; analysis</a:t>
             </a:r>
           </a:p>
         </p:txBody>
@@ -4891,7 +5306,7 @@
           <p:cNvPr id="3" name="Content Placeholder 2">
             <a:extLst>
               <a:ext uri="{FF2B5EF4-FFF2-40B4-BE49-F238E27FC236}">
-                <a16:creationId xmlns:a16="http://schemas.microsoft.com/office/drawing/2014/main" id="{88B1D50F-EC03-3E4F-9F23-7DEC314B994B}"/>
+                <a16:creationId xmlns:a16="http://schemas.microsoft.com/office/drawing/2014/main" id="{16931BCF-0B1E-4775-B8BD-8CDDA2643136}"/>
               </a:ext>
             </a:extLst>
           </p:cNvPr>
@@ -4907,14 +5322,63 @@
           <a:bodyPr/>
           <a:lstStyle/>
           <a:p>
-            <a:endParaRPr lang="en-US" dirty="0"/>
+            <a:r>
+              <a:rPr lang="en-US" dirty="0"/>
+              <a:t>Clean up</a:t>
+            </a:r>
+          </a:p>
+          <a:p>
+            <a:pPr lvl="1"/>
+            <a:r>
+              <a:rPr lang="en-US" dirty="0"/>
+              <a:t>Had to drop some data because some countries weren’t reporting certain criteria</a:t>
+            </a:r>
+          </a:p>
+          <a:p>
+            <a:r>
+              <a:rPr lang="en-US" dirty="0"/>
+              <a:t>Exploration</a:t>
+            </a:r>
+          </a:p>
+          <a:p>
+            <a:pPr lvl="1"/>
+            <a:r>
+              <a:rPr lang="en-US" dirty="0"/>
+              <a:t>Looked at different timepoints</a:t>
+            </a:r>
+          </a:p>
+          <a:p>
+            <a:pPr lvl="1"/>
+            <a:r>
+              <a:rPr lang="en-US" dirty="0"/>
+              <a:t>Looked at different independent variables</a:t>
+            </a:r>
+          </a:p>
+          <a:p>
+            <a:r>
+              <a:rPr lang="en-US" dirty="0"/>
+              <a:t>Analysis</a:t>
+            </a:r>
+          </a:p>
+          <a:p>
+            <a:pPr lvl="1"/>
+            <a:r>
+              <a:rPr lang="en-US" dirty="0"/>
+              <a:t>Determined … </a:t>
+            </a:r>
+          </a:p>
+          <a:p>
+            <a:r>
+              <a:rPr lang="en-US" dirty="0"/>
+              <a:t>Go to Notebook</a:t>
+            </a:r>
           </a:p>
         </p:txBody>
       </p:sp>
     </p:spTree>
     <p:extLst>
       <p:ext uri="{BB962C8B-B14F-4D97-AF65-F5344CB8AC3E}">
-        <p14:creationId xmlns:p14="http://schemas.microsoft.com/office/powerpoint/2010/main" val="4150662459"/>
+        <p14:creationId xmlns:p14="http://schemas.microsoft.com/office/powerpoint/2010/main" val="1067213561"/>
       </p:ext>
     </p:extLst>
   </p:cSld>
@@ -4946,7 +5410,7 @@
           <p:cNvPr id="2" name="Title 1">
             <a:extLst>
               <a:ext uri="{FF2B5EF4-FFF2-40B4-BE49-F238E27FC236}">
-                <a16:creationId xmlns:a16="http://schemas.microsoft.com/office/drawing/2014/main" id="{F9F6397B-408C-184B-84D9-36085B790493}"/>
+                <a16:creationId xmlns:a16="http://schemas.microsoft.com/office/drawing/2014/main" id="{92408E2C-6581-40B9-ABCD-56D4F53D5B5E}"/>
               </a:ext>
             </a:extLst>
           </p:cNvPr>
@@ -4954,7 +5418,7 @@
             <a:spLocks noGrp="1"/>
           </p:cNvSpPr>
           <p:nvPr>
-            <p:ph type="title"/>
+            <p:ph type="ctrTitle"/>
           </p:nvPr>
         </p:nvSpPr>
         <p:spPr/>
@@ -4964,17 +5428,17 @@
           <a:p>
             <a:r>
               <a:rPr lang="en-US" dirty="0"/>
-              <a:t>HDI</a:t>
-            </a:r>
-          </a:p>
-        </p:txBody>
-      </p:sp>
-      <p:sp>
-        <p:nvSpPr>
-          <p:cNvPr id="3" name="Content Placeholder 2">
+              <a:t>Regressions</a:t>
+            </a:r>
+          </a:p>
+        </p:txBody>
+      </p:sp>
+      <p:sp>
+        <p:nvSpPr>
+          <p:cNvPr id="3" name="Subtitle 2">
             <a:extLst>
               <a:ext uri="{FF2B5EF4-FFF2-40B4-BE49-F238E27FC236}">
-                <a16:creationId xmlns:a16="http://schemas.microsoft.com/office/drawing/2014/main" id="{3346157F-BD00-3F42-9C14-EC1A4505B9FA}"/>
+                <a16:creationId xmlns:a16="http://schemas.microsoft.com/office/drawing/2014/main" id="{32B6E7A7-3322-48D9-8810-99A5715457DB}"/>
               </a:ext>
             </a:extLst>
           </p:cNvPr>
@@ -4982,7 +5446,7 @@
             <a:spLocks noGrp="1"/>
           </p:cNvSpPr>
           <p:nvPr>
-            <p:ph idx="1"/>
+            <p:ph type="subTitle" idx="1"/>
           </p:nvPr>
         </p:nvSpPr>
         <p:spPr/>
@@ -4997,7 +5461,7 @@
     </p:spTree>
     <p:extLst>
       <p:ext uri="{BB962C8B-B14F-4D97-AF65-F5344CB8AC3E}">
-        <p14:creationId xmlns:p14="http://schemas.microsoft.com/office/powerpoint/2010/main" val="1333682348"/>
+        <p14:creationId xmlns:p14="http://schemas.microsoft.com/office/powerpoint/2010/main" val="1866617958"/>
       </p:ext>
     </p:extLst>
   </p:cSld>
@@ -5029,7 +5493,7 @@
           <p:cNvPr id="2" name="Title 1">
             <a:extLst>
               <a:ext uri="{FF2B5EF4-FFF2-40B4-BE49-F238E27FC236}">
-                <a16:creationId xmlns:a16="http://schemas.microsoft.com/office/drawing/2014/main" id="{22DD97DF-4CD2-DC48-B47A-02CEB01A9C32}"/>
+                <a16:creationId xmlns:a16="http://schemas.microsoft.com/office/drawing/2014/main" id="{F9F6397B-408C-184B-84D9-36085B790493}"/>
               </a:ext>
             </a:extLst>
           </p:cNvPr>
@@ -5047,7 +5511,7 @@
           <a:p>
             <a:r>
               <a:rPr lang="en-US" dirty="0"/>
-              <a:t>Population</a:t>
+              <a:t>HDI</a:t>
             </a:r>
           </a:p>
         </p:txBody>
@@ -5057,7 +5521,7 @@
           <p:cNvPr id="3" name="Content Placeholder 2">
             <a:extLst>
               <a:ext uri="{FF2B5EF4-FFF2-40B4-BE49-F238E27FC236}">
-                <a16:creationId xmlns:a16="http://schemas.microsoft.com/office/drawing/2014/main" id="{2EB170B8-550E-6A4A-989D-A094EE84AF77}"/>
+                <a16:creationId xmlns:a16="http://schemas.microsoft.com/office/drawing/2014/main" id="{3346157F-BD00-3F42-9C14-EC1A4505B9FA}"/>
               </a:ext>
             </a:extLst>
           </p:cNvPr>
@@ -5080,7 +5544,7 @@
     </p:spTree>
     <p:extLst>
       <p:ext uri="{BB962C8B-B14F-4D97-AF65-F5344CB8AC3E}">
-        <p14:creationId xmlns:p14="http://schemas.microsoft.com/office/powerpoint/2010/main" val="2449751523"/>
+        <p14:creationId xmlns:p14="http://schemas.microsoft.com/office/powerpoint/2010/main" val="1333682348"/>
       </p:ext>
     </p:extLst>
   </p:cSld>
@@ -5112,7 +5576,7 @@
           <p:cNvPr id="2" name="Title 1">
             <a:extLst>
               <a:ext uri="{FF2B5EF4-FFF2-40B4-BE49-F238E27FC236}">
-                <a16:creationId xmlns:a16="http://schemas.microsoft.com/office/drawing/2014/main" id="{A303C04E-8AE0-D940-AB63-54387CA7B5C7}"/>
+                <a16:creationId xmlns:a16="http://schemas.microsoft.com/office/drawing/2014/main" id="{9657893A-76E5-4651-BA3B-1AEB0D5CFBA1}"/>
               </a:ext>
             </a:extLst>
           </p:cNvPr>
@@ -5130,7 +5594,217 @@
           <a:p>
             <a:r>
               <a:rPr lang="en-US" dirty="0"/>
-              <a:t>Transparency</a:t>
+              <a:t>Maps</a:t>
+            </a:r>
+          </a:p>
+        </p:txBody>
+      </p:sp>
+      <p:sp>
+        <p:nvSpPr>
+          <p:cNvPr id="3" name="Text Placeholder 2">
+            <a:extLst>
+              <a:ext uri="{FF2B5EF4-FFF2-40B4-BE49-F238E27FC236}">
+                <a16:creationId xmlns:a16="http://schemas.microsoft.com/office/drawing/2014/main" id="{69721454-1DA3-4A97-8B99-406033EA88D4}"/>
+              </a:ext>
+            </a:extLst>
+          </p:cNvPr>
+          <p:cNvSpPr>
+            <a:spLocks noGrp="1"/>
+          </p:cNvSpPr>
+          <p:nvPr>
+            <p:ph type="body" idx="1"/>
+          </p:nvPr>
+        </p:nvSpPr>
+        <p:spPr/>
+        <p:txBody>
+          <a:bodyPr/>
+          <a:lstStyle/>
+          <a:p>
+            <a:endParaRPr lang="en-US"/>
+          </a:p>
+        </p:txBody>
+      </p:sp>
+    </p:spTree>
+    <p:extLst>
+      <p:ext uri="{BB962C8B-B14F-4D97-AF65-F5344CB8AC3E}">
+        <p14:creationId xmlns:p14="http://schemas.microsoft.com/office/powerpoint/2010/main" val="2640643277"/>
+      </p:ext>
+    </p:extLst>
+  </p:cSld>
+  <p:clrMapOvr>
+    <a:masterClrMapping/>
+  </p:clrMapOvr>
+</p:sld>
+</file>
+
+<file path=ppt/slides/slide8.xml><?xml version="1.0" encoding="utf-8"?>
+<p:sld xmlns:a="http://schemas.openxmlformats.org/drawingml/2006/main" xmlns:r="http://schemas.openxmlformats.org/officeDocument/2006/relationships" xmlns:p="http://schemas.openxmlformats.org/presentationml/2006/main">
+  <p:cSld>
+    <p:spTree>
+      <p:nvGrpSpPr>
+        <p:cNvPr id="1" name=""/>
+        <p:cNvGrpSpPr/>
+        <p:nvPr/>
+      </p:nvGrpSpPr>
+      <p:grpSpPr>
+        <a:xfrm>
+          <a:off x="0" y="0"/>
+          <a:ext cx="0" cy="0"/>
+          <a:chOff x="0" y="0"/>
+          <a:chExt cx="0" cy="0"/>
+        </a:xfrm>
+      </p:grpSpPr>
+      <p:sp>
+        <p:nvSpPr>
+          <p:cNvPr id="2" name="Title 1">
+            <a:extLst>
+              <a:ext uri="{FF2B5EF4-FFF2-40B4-BE49-F238E27FC236}">
+                <a16:creationId xmlns:a16="http://schemas.microsoft.com/office/drawing/2014/main" id="{70344A4F-DB98-504A-B055-51A6F7CB5B99}"/>
+              </a:ext>
+            </a:extLst>
+          </p:cNvPr>
+          <p:cNvSpPr>
+            <a:spLocks noGrp="1"/>
+          </p:cNvSpPr>
+          <p:nvPr>
+            <p:ph type="title"/>
+          </p:nvPr>
+        </p:nvSpPr>
+        <p:spPr>
+          <a:xfrm>
+            <a:off x="365343" y="367022"/>
+            <a:ext cx="10058400" cy="772846"/>
+          </a:xfrm>
+        </p:spPr>
+        <p:txBody>
+          <a:bodyPr/>
+          <a:lstStyle/>
+          <a:p>
+            <a:r>
+              <a:rPr lang="en-US" dirty="0"/>
+              <a:t>GDP</a:t>
+            </a:r>
+          </a:p>
+        </p:txBody>
+      </p:sp>
+      <p:pic>
+        <p:nvPicPr>
+          <p:cNvPr id="5" name="Content Placeholder 4" descr="A map of the world&#10;&#10;Description automatically generated">
+            <a:extLst>
+              <a:ext uri="{FF2B5EF4-FFF2-40B4-BE49-F238E27FC236}">
+                <a16:creationId xmlns:a16="http://schemas.microsoft.com/office/drawing/2014/main" id="{C76AD6D5-E24C-E04F-A620-66C295785BA9}"/>
+              </a:ext>
+            </a:extLst>
+          </p:cNvPr>
+          <p:cNvPicPr>
+            <a:picLocks noGrp="1" noChangeAspect="1"/>
+          </p:cNvPicPr>
+          <p:nvPr>
+            <p:ph idx="1"/>
+          </p:nvPr>
+        </p:nvPicPr>
+        <p:blipFill>
+          <a:blip r:embed="rId2"/>
+          <a:stretch>
+            <a:fillRect/>
+          </a:stretch>
+        </p:blipFill>
+        <p:spPr>
+          <a:xfrm>
+            <a:off x="2497152" y="2427490"/>
+            <a:ext cx="7623877" cy="4063488"/>
+          </a:xfrm>
+        </p:spPr>
+      </p:pic>
+      <p:sp>
+        <p:nvSpPr>
+          <p:cNvPr id="6" name="TextBox 5">
+            <a:extLst>
+              <a:ext uri="{FF2B5EF4-FFF2-40B4-BE49-F238E27FC236}">
+                <a16:creationId xmlns:a16="http://schemas.microsoft.com/office/drawing/2014/main" id="{53F3B029-2F8B-6D44-8824-A13ECE0CBCEA}"/>
+              </a:ext>
+            </a:extLst>
+          </p:cNvPr>
+          <p:cNvSpPr txBox="1"/>
+          <p:nvPr/>
+        </p:nvSpPr>
+        <p:spPr>
+          <a:xfrm>
+            <a:off x="901874" y="1139868"/>
+            <a:ext cx="9068844" cy="369332"/>
+          </a:xfrm>
+          <a:prstGeom prst="rect">
+            <a:avLst/>
+          </a:prstGeom>
+          <a:noFill/>
+        </p:spPr>
+        <p:txBody>
+          <a:bodyPr wrap="square" rtlCol="0">
+            <a:spAutoFit/>
+          </a:bodyPr>
+          <a:lstStyle/>
+          <a:p>
+            <a:r>
+              <a:rPr lang="en-US" dirty="0"/>
+              <a:t>Blah blah blah, very important things about what we assumed</a:t>
+            </a:r>
+          </a:p>
+        </p:txBody>
+      </p:sp>
+    </p:spTree>
+    <p:extLst>
+      <p:ext uri="{BB962C8B-B14F-4D97-AF65-F5344CB8AC3E}">
+        <p14:creationId xmlns:p14="http://schemas.microsoft.com/office/powerpoint/2010/main" val="1111871775"/>
+      </p:ext>
+    </p:extLst>
+  </p:cSld>
+  <p:clrMapOvr>
+    <a:masterClrMapping/>
+  </p:clrMapOvr>
+</p:sld>
+</file>
+
+<file path=ppt/slides/slide9.xml><?xml version="1.0" encoding="utf-8"?>
+<p:sld xmlns:a="http://schemas.openxmlformats.org/drawingml/2006/main" xmlns:r="http://schemas.openxmlformats.org/officeDocument/2006/relationships" xmlns:p="http://schemas.openxmlformats.org/presentationml/2006/main">
+  <p:cSld>
+    <p:spTree>
+      <p:nvGrpSpPr>
+        <p:cNvPr id="1" name=""/>
+        <p:cNvGrpSpPr/>
+        <p:nvPr/>
+      </p:nvGrpSpPr>
+      <p:grpSpPr>
+        <a:xfrm>
+          <a:off x="0" y="0"/>
+          <a:ext cx="0" cy="0"/>
+          <a:chOff x="0" y="0"/>
+          <a:chExt cx="0" cy="0"/>
+        </a:xfrm>
+      </p:grpSpPr>
+      <p:sp>
+        <p:nvSpPr>
+          <p:cNvPr id="2" name="Title 1">
+            <a:extLst>
+              <a:ext uri="{FF2B5EF4-FFF2-40B4-BE49-F238E27FC236}">
+                <a16:creationId xmlns:a16="http://schemas.microsoft.com/office/drawing/2014/main" id="{9BA9EBF2-9833-614C-AB61-8CCB9FD424BC}"/>
+              </a:ext>
+            </a:extLst>
+          </p:cNvPr>
+          <p:cNvSpPr>
+            <a:spLocks noGrp="1"/>
+          </p:cNvSpPr>
+          <p:nvPr>
+            <p:ph type="title"/>
+          </p:nvPr>
+        </p:nvSpPr>
+        <p:spPr/>
+        <p:txBody>
+          <a:bodyPr/>
+          <a:lstStyle/>
+          <a:p>
+            <a:r>
+              <a:rPr lang="en-US" dirty="0"/>
+              <a:t>GDP Scatter</a:t>
             </a:r>
           </a:p>
         </p:txBody>
@@ -5140,7 +5814,7 @@
           <p:cNvPr id="3" name="Content Placeholder 2">
             <a:extLst>
               <a:ext uri="{FF2B5EF4-FFF2-40B4-BE49-F238E27FC236}">
-                <a16:creationId xmlns:a16="http://schemas.microsoft.com/office/drawing/2014/main" id="{C0AC43B4-014B-E445-B6BE-74BDD851C0BE}"/>
+                <a16:creationId xmlns:a16="http://schemas.microsoft.com/office/drawing/2014/main" id="{88B1D50F-EC03-3E4F-9F23-7DEC314B994B}"/>
               </a:ext>
             </a:extLst>
           </p:cNvPr>
@@ -5163,7 +5837,7 @@
     </p:spTree>
     <p:extLst>
       <p:ext uri="{BB962C8B-B14F-4D97-AF65-F5344CB8AC3E}">
-        <p14:creationId xmlns:p14="http://schemas.microsoft.com/office/powerpoint/2010/main" val="3274679385"/>
+        <p14:creationId xmlns:p14="http://schemas.microsoft.com/office/powerpoint/2010/main" val="4150662459"/>
       </p:ext>
     </p:extLst>
   </p:cSld>

--- a/Covid-19 Presentation Team GEM.pptx
+++ b/Covid-19 Presentation Team GEM.pptx
@@ -11,13 +11,16 @@
     <p:sldId id="264" r:id="rId5"/>
     <p:sldId id="268" r:id="rId6"/>
     <p:sldId id="259" r:id="rId7"/>
-    <p:sldId id="265" r:id="rId8"/>
-    <p:sldId id="258" r:id="rId9"/>
-    <p:sldId id="262" r:id="rId10"/>
-    <p:sldId id="260" r:id="rId11"/>
-    <p:sldId id="261" r:id="rId12"/>
-    <p:sldId id="267" r:id="rId13"/>
-    <p:sldId id="266" r:id="rId14"/>
+    <p:sldId id="269" r:id="rId8"/>
+    <p:sldId id="270" r:id="rId9"/>
+    <p:sldId id="271" r:id="rId10"/>
+    <p:sldId id="272" r:id="rId11"/>
+    <p:sldId id="274" r:id="rId12"/>
+    <p:sldId id="260" r:id="rId13"/>
+    <p:sldId id="275" r:id="rId14"/>
+    <p:sldId id="267" r:id="rId15"/>
+    <p:sldId id="266" r:id="rId16"/>
+    <p:sldId id="273" r:id="rId17"/>
   </p:sldIdLst>
   <p:sldSz cx="12192000" cy="6858000"/>
   <p:notesSz cx="6858000" cy="9144000"/>
@@ -122,6 +125,32 @@
     </p:ext>
   </p:extLst>
 </p:presentation>
+</file>
+
+<file path=ppt/commentAuthors.xml><?xml version="1.0" encoding="utf-8"?>
+<p:cmAuthorLst xmlns:a="http://schemas.openxmlformats.org/drawingml/2006/main" xmlns:r="http://schemas.openxmlformats.org/officeDocument/2006/relationships" xmlns:p="http://schemas.openxmlformats.org/presentationml/2006/main">
+  <p:cmAuthor id="1" name="Cleveland, Eliot" initials="CE" lastIdx="1" clrIdx="0">
+    <p:extLst>
+      <p:ext uri="{19B8F6BF-5375-455C-9EA6-DF929625EA0E}">
+        <p15:presenceInfo xmlns:p15="http://schemas.microsoft.com/office/powerpoint/2012/main" userId="S-1-5-21-1177238915-1767777339-682003330-78761" providerId="AD"/>
+      </p:ext>
+    </p:extLst>
+  </p:cmAuthor>
+</p:cmAuthorLst>
+</file>
+
+<file path=ppt/comments/comment1.xml><?xml version="1.0" encoding="utf-8"?>
+<p:cmLst xmlns:a="http://schemas.openxmlformats.org/drawingml/2006/main" xmlns:r="http://schemas.openxmlformats.org/officeDocument/2006/relationships" xmlns:p="http://schemas.openxmlformats.org/presentationml/2006/main">
+  <p:cm authorId="1" dt="2021-05-05T14:31:39.744" idx="1">
+    <p:pos x="10" y="10"/>
+    <p:text/>
+    <p:extLst>
+      <p:ext uri="{C676402C-5697-4E1C-873F-D02D1690AC5C}">
+        <p15:threadingInfo xmlns:p15="http://schemas.microsoft.com/office/powerpoint/2012/main" timeZoneBias="240"/>
+      </p:ext>
+    </p:extLst>
+  </p:cm>
+</p:cmLst>
 </file>
 
 <file path=ppt/slideLayouts/slideLayout1.xml><?xml version="1.0" encoding="utf-8"?>
@@ -593,7 +622,7 @@
           <a:p>
             <a:fld id="{EA0C0817-A112-4847-8014-A94B7D2A4EA3}" type="datetime1">
               <a:rPr lang="en-US" smtClean="0"/>
-              <a:t>5/3/2021</a:t>
+              <a:t>5/5/2021</a:t>
             </a:fld>
             <a:endParaRPr lang="en-US" dirty="0"/>
           </a:p>
@@ -795,7 +824,7 @@
           <a:p>
             <a:fld id="{134F40B7-36AB-4376-BE14-EF7004D79BB9}" type="datetime1">
               <a:rPr lang="en-US" smtClean="0"/>
-              <a:t>5/3/2021</a:t>
+              <a:t>5/5/2021</a:t>
             </a:fld>
             <a:endParaRPr lang="en-US"/>
           </a:p>
@@ -975,7 +1004,7 @@
           <a:p>
             <a:fld id="{FF87CAB8-DCAE-46A5-AADA-B3FAD11A54E0}" type="datetime1">
               <a:rPr lang="en-US" smtClean="0"/>
-              <a:t>5/3/2021</a:t>
+              <a:t>5/5/2021</a:t>
             </a:fld>
             <a:endParaRPr lang="en-US"/>
           </a:p>
@@ -1145,7 +1174,7 @@
           <a:p>
             <a:fld id="{7332B432-ACDA-4023-A761-2BAB76577B62}" type="datetime1">
               <a:rPr lang="en-US" smtClean="0"/>
-              <a:t>5/3/2021</a:t>
+              <a:t>5/5/2021</a:t>
             </a:fld>
             <a:endParaRPr lang="en-US"/>
           </a:p>
@@ -1744,7 +1773,7 @@
           <a:p>
             <a:fld id="{D9C646AA-F36E-4540-911D-FFFC0A0EF24A}" type="datetime1">
               <a:rPr lang="en-US" smtClean="0"/>
-              <a:t>5/3/2021</a:t>
+              <a:t>5/5/2021</a:t>
             </a:fld>
             <a:endParaRPr lang="en-US" dirty="0"/>
           </a:p>
@@ -2064,7 +2093,7 @@
           <a:p>
             <a:fld id="{69186D26-FA5F-4637-B602-B7C2DC34CFD4}" type="datetime1">
               <a:rPr lang="en-US" smtClean="0"/>
-              <a:t>5/3/2021</a:t>
+              <a:t>5/5/2021</a:t>
             </a:fld>
             <a:endParaRPr lang="en-US"/>
           </a:p>
@@ -2499,7 +2528,7 @@
           <a:p>
             <a:fld id="{8A7F15D8-96D1-4781-BC50-CA8A088B2FE4}" type="datetime1">
               <a:rPr lang="en-US" smtClean="0"/>
-              <a:t>5/3/2021</a:t>
+              <a:t>5/5/2021</a:t>
             </a:fld>
             <a:endParaRPr lang="en-US"/>
           </a:p>
@@ -2617,7 +2646,7 @@
           <a:p>
             <a:fld id="{F9A96C99-B8F8-4528-BD05-0E16E943DC09}" type="datetime1">
               <a:rPr lang="en-US" smtClean="0"/>
-              <a:t>5/3/2021</a:t>
+              <a:t>5/5/2021</a:t>
             </a:fld>
             <a:endParaRPr lang="en-US"/>
           </a:p>
@@ -2712,7 +2741,7 @@
           <a:p>
             <a:fld id="{03636942-C211-4B28-8DBD-C953E00AF71B}" type="datetime1">
               <a:rPr lang="en-US" smtClean="0"/>
-              <a:t>5/3/2021</a:t>
+              <a:t>5/5/2021</a:t>
             </a:fld>
             <a:endParaRPr lang="en-US"/>
           </a:p>
@@ -3129,7 +3158,7 @@
           <a:p>
             <a:fld id="{7E8D12A6-918A-48BD-8CB9-CA713993B0EA}" type="datetime1">
               <a:rPr lang="en-US" smtClean="0"/>
-              <a:t>5/3/2021</a:t>
+              <a:t>5/5/2021</a:t>
             </a:fld>
             <a:endParaRPr lang="en-US"/>
           </a:p>
@@ -3391,7 +3420,7 @@
             <a:fld id="{E778CE86-875F-4587-BCF6-FA054AFC0D53}" type="datetime1">
               <a:rPr lang="en-US" smtClean="0"/>
               <a:pPr/>
-              <a:t>5/3/2021</a:t>
+              <a:t>5/5/2021</a:t>
             </a:fld>
             <a:endParaRPr lang="en-US" dirty="0"/>
           </a:p>
@@ -3907,7 +3936,7 @@
           <a:p>
             <a:fld id="{F6FA2B21-3FCD-4721-B95C-427943F61125}" type="datetime1">
               <a:rPr lang="en-US" smtClean="0"/>
-              <a:t>5/3/2021</a:t>
+              <a:t>5/5/2021</a:t>
             </a:fld>
             <a:endParaRPr lang="en-US"/>
           </a:p>
@@ -4636,7 +4665,7 @@
           <p:cNvPr id="2" name="Title 1">
             <a:extLst>
               <a:ext uri="{FF2B5EF4-FFF2-40B4-BE49-F238E27FC236}">
-                <a16:creationId xmlns:a16="http://schemas.microsoft.com/office/drawing/2014/main" id="{22DD97DF-4CD2-DC48-B47A-02CEB01A9C32}"/>
+                <a16:creationId xmlns:a16="http://schemas.microsoft.com/office/drawing/2014/main" id="{F9F6397B-408C-184B-84D9-36085B790493}"/>
               </a:ext>
             </a:extLst>
           </p:cNvPr>
@@ -4654,40 +4683,47 @@
           <a:p>
             <a:r>
               <a:rPr lang="en-US" dirty="0"/>
-              <a:t>Population</a:t>
-            </a:r>
-          </a:p>
-        </p:txBody>
-      </p:sp>
-      <p:sp>
-        <p:nvSpPr>
-          <p:cNvPr id="3" name="Content Placeholder 2">
+              <a:t>Maps – Fun to look at, difficult to interpret</a:t>
+            </a:r>
+          </a:p>
+        </p:txBody>
+      </p:sp>
+      <p:pic>
+        <p:nvPicPr>
+          <p:cNvPr id="5" name="Content Placeholder 4">
             <a:extLst>
               <a:ext uri="{FF2B5EF4-FFF2-40B4-BE49-F238E27FC236}">
-                <a16:creationId xmlns:a16="http://schemas.microsoft.com/office/drawing/2014/main" id="{2EB170B8-550E-6A4A-989D-A094EE84AF77}"/>
+                <a16:creationId xmlns:a16="http://schemas.microsoft.com/office/drawing/2014/main" id="{1A9EA377-3663-4D80-B86B-D9B4F9DC43D3}"/>
               </a:ext>
             </a:extLst>
           </p:cNvPr>
-          <p:cNvSpPr>
-            <a:spLocks noGrp="1"/>
-          </p:cNvSpPr>
+          <p:cNvPicPr>
+            <a:picLocks noGrp="1" noChangeAspect="1"/>
+          </p:cNvPicPr>
           <p:nvPr>
             <p:ph idx="1"/>
           </p:nvPr>
-        </p:nvSpPr>
-        <p:spPr/>
-        <p:txBody>
-          <a:bodyPr/>
-          <a:lstStyle/>
-          <a:p>
-            <a:endParaRPr lang="en-US"/>
-          </a:p>
-        </p:txBody>
-      </p:sp>
+        </p:nvPicPr>
+        <p:blipFill>
+          <a:blip r:embed="rId2"/>
+          <a:stretch>
+            <a:fillRect/>
+          </a:stretch>
+        </p:blipFill>
+        <p:spPr>
+          <a:xfrm>
+            <a:off x="2488722" y="2103438"/>
+            <a:ext cx="7214556" cy="3849687"/>
+          </a:xfrm>
+          <a:prstGeom prst="rect">
+            <a:avLst/>
+          </a:prstGeom>
+        </p:spPr>
+      </p:pic>
     </p:spTree>
     <p:extLst>
       <p:ext uri="{BB962C8B-B14F-4D97-AF65-F5344CB8AC3E}">
-        <p14:creationId xmlns:p14="http://schemas.microsoft.com/office/powerpoint/2010/main" val="2449751523"/>
+        <p14:creationId xmlns:p14="http://schemas.microsoft.com/office/powerpoint/2010/main" val="3380530917"/>
       </p:ext>
     </p:extLst>
   </p:cSld>
@@ -4719,7 +4755,7 @@
           <p:cNvPr id="2" name="Title 1">
             <a:extLst>
               <a:ext uri="{FF2B5EF4-FFF2-40B4-BE49-F238E27FC236}">
-                <a16:creationId xmlns:a16="http://schemas.microsoft.com/office/drawing/2014/main" id="{A303C04E-8AE0-D940-AB63-54387CA7B5C7}"/>
+                <a16:creationId xmlns:a16="http://schemas.microsoft.com/office/drawing/2014/main" id="{F9F6397B-408C-184B-84D9-36085B790493}"/>
               </a:ext>
             </a:extLst>
           </p:cNvPr>
@@ -4737,40 +4773,76 @@
           <a:p>
             <a:r>
               <a:rPr lang="en-US" dirty="0"/>
-              <a:t>Transparency</a:t>
-            </a:r>
-          </a:p>
-        </p:txBody>
-      </p:sp>
-      <p:sp>
-        <p:nvSpPr>
-          <p:cNvPr id="3" name="Content Placeholder 2">
+              <a:t>Maps – GDP &amp; HDI were most correlated</a:t>
+            </a:r>
+          </a:p>
+        </p:txBody>
+      </p:sp>
+      <p:pic>
+        <p:nvPicPr>
+          <p:cNvPr id="5" name="Content Placeholder 4">
             <a:extLst>
               <a:ext uri="{FF2B5EF4-FFF2-40B4-BE49-F238E27FC236}">
-                <a16:creationId xmlns:a16="http://schemas.microsoft.com/office/drawing/2014/main" id="{C0AC43B4-014B-E445-B6BE-74BDD851C0BE}"/>
+                <a16:creationId xmlns:a16="http://schemas.microsoft.com/office/drawing/2014/main" id="{1A9EA377-3663-4D80-B86B-D9B4F9DC43D3}"/>
               </a:ext>
             </a:extLst>
           </p:cNvPr>
-          <p:cNvSpPr>
-            <a:spLocks noGrp="1"/>
-          </p:cNvSpPr>
+          <p:cNvPicPr>
+            <a:picLocks noGrp="1" noChangeAspect="1"/>
+          </p:cNvPicPr>
           <p:nvPr>
             <p:ph idx="1"/>
           </p:nvPr>
-        </p:nvSpPr>
-        <p:spPr/>
-        <p:txBody>
-          <a:bodyPr/>
-          <a:lstStyle/>
-          <a:p>
-            <a:endParaRPr lang="en-US" dirty="0"/>
-          </a:p>
-        </p:txBody>
-      </p:sp>
+        </p:nvPicPr>
+        <p:blipFill rotWithShape="1">
+          <a:blip r:embed="rId2"/>
+          <a:srcRect l="4421" r="1440" b="9396"/>
+          <a:stretch/>
+        </p:blipFill>
+        <p:spPr>
+          <a:xfrm>
+            <a:off x="6164428" y="2068663"/>
+            <a:ext cx="5486401" cy="2817620"/>
+          </a:xfrm>
+          <a:prstGeom prst="rect">
+            <a:avLst/>
+          </a:prstGeom>
+        </p:spPr>
+      </p:pic>
+      <p:pic>
+        <p:nvPicPr>
+          <p:cNvPr id="3" name="Picture 2">
+            <a:extLst>
+              <a:ext uri="{FF2B5EF4-FFF2-40B4-BE49-F238E27FC236}">
+                <a16:creationId xmlns:a16="http://schemas.microsoft.com/office/drawing/2014/main" id="{F9F3ADFD-17F1-4BD6-AE95-D8AAA809FEF8}"/>
+              </a:ext>
+            </a:extLst>
+          </p:cNvPr>
+          <p:cNvPicPr>
+            <a:picLocks noChangeAspect="1"/>
+          </p:cNvPicPr>
+          <p:nvPr/>
+        </p:nvPicPr>
+        <p:blipFill>
+          <a:blip r:embed="rId3"/>
+          <a:stretch>
+            <a:fillRect/>
+          </a:stretch>
+        </p:blipFill>
+        <p:spPr>
+          <a:xfrm>
+            <a:off x="541173" y="2068664"/>
+            <a:ext cx="5486401" cy="2817619"/>
+          </a:xfrm>
+          <a:prstGeom prst="rect">
+            <a:avLst/>
+          </a:prstGeom>
+        </p:spPr>
+      </p:pic>
     </p:spTree>
     <p:extLst>
       <p:ext uri="{BB962C8B-B14F-4D97-AF65-F5344CB8AC3E}">
-        <p14:creationId xmlns:p14="http://schemas.microsoft.com/office/powerpoint/2010/main" val="3274679385"/>
+        <p14:creationId xmlns:p14="http://schemas.microsoft.com/office/powerpoint/2010/main" val="1565174191"/>
       </p:ext>
     </p:extLst>
   </p:cSld>
@@ -4802,7 +4874,7 @@
           <p:cNvPr id="2" name="Title 1">
             <a:extLst>
               <a:ext uri="{FF2B5EF4-FFF2-40B4-BE49-F238E27FC236}">
-                <a16:creationId xmlns:a16="http://schemas.microsoft.com/office/drawing/2014/main" id="{A7F65165-02CA-4F0C-939D-C80C31C2D355}"/>
+                <a16:creationId xmlns:a16="http://schemas.microsoft.com/office/drawing/2014/main" id="{22DD97DF-4CD2-DC48-B47A-02CEB01A9C32}"/>
               </a:ext>
             </a:extLst>
           </p:cNvPr>
@@ -4820,7 +4892,7 @@
           <a:p>
             <a:r>
               <a:rPr lang="en-US" dirty="0"/>
-              <a:t>Challenges</a:t>
+              <a:t>Population</a:t>
             </a:r>
           </a:p>
         </p:txBody>
@@ -4830,7 +4902,7 @@
           <p:cNvPr id="3" name="Content Placeholder 2">
             <a:extLst>
               <a:ext uri="{FF2B5EF4-FFF2-40B4-BE49-F238E27FC236}">
-                <a16:creationId xmlns:a16="http://schemas.microsoft.com/office/drawing/2014/main" id="{5FA90F36-2335-4218-B022-09FDC81E5A48}"/>
+                <a16:creationId xmlns:a16="http://schemas.microsoft.com/office/drawing/2014/main" id="{2EB170B8-550E-6A4A-989D-A094EE84AF77}"/>
               </a:ext>
             </a:extLst>
           </p:cNvPr>
@@ -4846,20 +4918,14 @@
           <a:bodyPr/>
           <a:lstStyle/>
           <a:p>
-            <a:r>
-              <a:rPr lang="en-US" dirty="0"/>
-              <a:t>Uniformity in reporting was lacking</a:t>
-            </a:r>
-          </a:p>
-          <a:p>
-            <a:endParaRPr lang="en-US" dirty="0"/>
+            <a:endParaRPr lang="en-US"/>
           </a:p>
         </p:txBody>
       </p:sp>
     </p:spTree>
     <p:extLst>
       <p:ext uri="{BB962C8B-B14F-4D97-AF65-F5344CB8AC3E}">
-        <p14:creationId xmlns:p14="http://schemas.microsoft.com/office/powerpoint/2010/main" val="2285563058"/>
+        <p14:creationId xmlns:p14="http://schemas.microsoft.com/office/powerpoint/2010/main" val="2449751523"/>
       </p:ext>
     </p:extLst>
   </p:cSld>
@@ -4891,6 +4957,178 @@
           <p:cNvPr id="2" name="Title 1">
             <a:extLst>
               <a:ext uri="{FF2B5EF4-FFF2-40B4-BE49-F238E27FC236}">
+                <a16:creationId xmlns:a16="http://schemas.microsoft.com/office/drawing/2014/main" id="{39F155FA-B255-4160-98C1-DAF353FECC14}"/>
+              </a:ext>
+            </a:extLst>
+          </p:cNvPr>
+          <p:cNvSpPr>
+            <a:spLocks noGrp="1"/>
+          </p:cNvSpPr>
+          <p:nvPr>
+            <p:ph type="title"/>
+          </p:nvPr>
+        </p:nvSpPr>
+        <p:spPr/>
+        <p:txBody>
+          <a:bodyPr/>
+          <a:lstStyle/>
+          <a:p>
+            <a:r>
+              <a:rPr lang="en-US" dirty="0"/>
+              <a:t>Analysis</a:t>
+            </a:r>
+          </a:p>
+        </p:txBody>
+      </p:sp>
+      <p:sp>
+        <p:nvSpPr>
+          <p:cNvPr id="3" name="Text Placeholder 2">
+            <a:extLst>
+              <a:ext uri="{FF2B5EF4-FFF2-40B4-BE49-F238E27FC236}">
+                <a16:creationId xmlns:a16="http://schemas.microsoft.com/office/drawing/2014/main" id="{A72CD7C0-FA1D-4BE3-B8C3-D6B32808093F}"/>
+              </a:ext>
+            </a:extLst>
+          </p:cNvPr>
+          <p:cNvSpPr>
+            <a:spLocks noGrp="1"/>
+          </p:cNvSpPr>
+          <p:nvPr>
+            <p:ph type="body" idx="1"/>
+          </p:nvPr>
+        </p:nvSpPr>
+        <p:spPr/>
+        <p:txBody>
+          <a:bodyPr/>
+          <a:lstStyle/>
+          <a:p>
+            <a:endParaRPr lang="en-US"/>
+          </a:p>
+        </p:txBody>
+      </p:sp>
+    </p:spTree>
+    <p:extLst>
+      <p:ext uri="{BB962C8B-B14F-4D97-AF65-F5344CB8AC3E}">
+        <p14:creationId xmlns:p14="http://schemas.microsoft.com/office/powerpoint/2010/main" val="3959521554"/>
+      </p:ext>
+    </p:extLst>
+  </p:cSld>
+  <p:clrMapOvr>
+    <a:masterClrMapping/>
+  </p:clrMapOvr>
+</p:sld>
+</file>
+
+<file path=ppt/slides/slide14.xml><?xml version="1.0" encoding="utf-8"?>
+<p:sld xmlns:a="http://schemas.openxmlformats.org/drawingml/2006/main" xmlns:r="http://schemas.openxmlformats.org/officeDocument/2006/relationships" xmlns:p="http://schemas.openxmlformats.org/presentationml/2006/main">
+  <p:cSld>
+    <p:spTree>
+      <p:nvGrpSpPr>
+        <p:cNvPr id="1" name=""/>
+        <p:cNvGrpSpPr/>
+        <p:nvPr/>
+      </p:nvGrpSpPr>
+      <p:grpSpPr>
+        <a:xfrm>
+          <a:off x="0" y="0"/>
+          <a:ext cx="0" cy="0"/>
+          <a:chOff x="0" y="0"/>
+          <a:chExt cx="0" cy="0"/>
+        </a:xfrm>
+      </p:grpSpPr>
+      <p:sp>
+        <p:nvSpPr>
+          <p:cNvPr id="2" name="Title 1">
+            <a:extLst>
+              <a:ext uri="{FF2B5EF4-FFF2-40B4-BE49-F238E27FC236}">
+                <a16:creationId xmlns:a16="http://schemas.microsoft.com/office/drawing/2014/main" id="{A7F65165-02CA-4F0C-939D-C80C31C2D355}"/>
+              </a:ext>
+            </a:extLst>
+          </p:cNvPr>
+          <p:cNvSpPr>
+            <a:spLocks noGrp="1"/>
+          </p:cNvSpPr>
+          <p:nvPr>
+            <p:ph type="title"/>
+          </p:nvPr>
+        </p:nvSpPr>
+        <p:spPr/>
+        <p:txBody>
+          <a:bodyPr/>
+          <a:lstStyle/>
+          <a:p>
+            <a:r>
+              <a:rPr lang="en-US" dirty="0"/>
+              <a:t>Challenges</a:t>
+            </a:r>
+          </a:p>
+        </p:txBody>
+      </p:sp>
+      <p:sp>
+        <p:nvSpPr>
+          <p:cNvPr id="3" name="Content Placeholder 2">
+            <a:extLst>
+              <a:ext uri="{FF2B5EF4-FFF2-40B4-BE49-F238E27FC236}">
+                <a16:creationId xmlns:a16="http://schemas.microsoft.com/office/drawing/2014/main" id="{5FA90F36-2335-4218-B022-09FDC81E5A48}"/>
+              </a:ext>
+            </a:extLst>
+          </p:cNvPr>
+          <p:cNvSpPr>
+            <a:spLocks noGrp="1"/>
+          </p:cNvSpPr>
+          <p:nvPr>
+            <p:ph idx="1"/>
+          </p:nvPr>
+        </p:nvSpPr>
+        <p:spPr/>
+        <p:txBody>
+          <a:bodyPr/>
+          <a:lstStyle/>
+          <a:p>
+            <a:r>
+              <a:rPr lang="en-US" dirty="0"/>
+              <a:t>Uniformity in reporting was lacking</a:t>
+            </a:r>
+          </a:p>
+          <a:p>
+            <a:endParaRPr lang="en-US" dirty="0"/>
+          </a:p>
+        </p:txBody>
+      </p:sp>
+    </p:spTree>
+    <p:extLst>
+      <p:ext uri="{BB962C8B-B14F-4D97-AF65-F5344CB8AC3E}">
+        <p14:creationId xmlns:p14="http://schemas.microsoft.com/office/powerpoint/2010/main" val="2285563058"/>
+      </p:ext>
+    </p:extLst>
+  </p:cSld>
+  <p:clrMapOvr>
+    <a:masterClrMapping/>
+  </p:clrMapOvr>
+</p:sld>
+</file>
+
+<file path=ppt/slides/slide15.xml><?xml version="1.0" encoding="utf-8"?>
+<p:sld xmlns:a="http://schemas.openxmlformats.org/drawingml/2006/main" xmlns:r="http://schemas.openxmlformats.org/officeDocument/2006/relationships" xmlns:p="http://schemas.openxmlformats.org/presentationml/2006/main">
+  <p:cSld>
+    <p:spTree>
+      <p:nvGrpSpPr>
+        <p:cNvPr id="1" name=""/>
+        <p:cNvGrpSpPr/>
+        <p:nvPr/>
+      </p:nvGrpSpPr>
+      <p:grpSpPr>
+        <a:xfrm>
+          <a:off x="0" y="0"/>
+          <a:ext cx="0" cy="0"/>
+          <a:chOff x="0" y="0"/>
+          <a:chExt cx="0" cy="0"/>
+        </a:xfrm>
+      </p:grpSpPr>
+      <p:sp>
+        <p:nvSpPr>
+          <p:cNvPr id="2" name="Title 1">
+            <a:extLst>
+              <a:ext uri="{FF2B5EF4-FFF2-40B4-BE49-F238E27FC236}">
                 <a16:creationId xmlns:a16="http://schemas.microsoft.com/office/drawing/2014/main" id="{39BDE368-CFB5-438B-A06D-ACA31B7645EB}"/>
               </a:ext>
             </a:extLst>
@@ -4990,6 +5228,251 @@
     <p:extLst>
       <p:ext uri="{BB962C8B-B14F-4D97-AF65-F5344CB8AC3E}">
         <p14:creationId xmlns:p14="http://schemas.microsoft.com/office/powerpoint/2010/main" val="14348650"/>
+      </p:ext>
+    </p:extLst>
+  </p:cSld>
+  <p:clrMapOvr>
+    <a:masterClrMapping/>
+  </p:clrMapOvr>
+</p:sld>
+</file>
+
+<file path=ppt/slides/slide16.xml><?xml version="1.0" encoding="utf-8"?>
+<p:sld xmlns:a="http://schemas.openxmlformats.org/drawingml/2006/main" xmlns:r="http://schemas.openxmlformats.org/officeDocument/2006/relationships" xmlns:p="http://schemas.openxmlformats.org/presentationml/2006/main">
+  <p:cSld>
+    <p:spTree>
+      <p:nvGrpSpPr>
+        <p:cNvPr id="1" name=""/>
+        <p:cNvGrpSpPr/>
+        <p:nvPr/>
+      </p:nvGrpSpPr>
+      <p:grpSpPr>
+        <a:xfrm>
+          <a:off x="0" y="0"/>
+          <a:ext cx="0" cy="0"/>
+          <a:chOff x="0" y="0"/>
+          <a:chExt cx="0" cy="0"/>
+        </a:xfrm>
+      </p:grpSpPr>
+      <p:sp>
+        <p:nvSpPr>
+          <p:cNvPr id="2" name="Title 1">
+            <a:extLst>
+              <a:ext uri="{FF2B5EF4-FFF2-40B4-BE49-F238E27FC236}">
+                <a16:creationId xmlns:a16="http://schemas.microsoft.com/office/drawing/2014/main" id="{1E68DC5A-3C82-41A1-AD7C-B6CB0A2DA8D2}"/>
+              </a:ext>
+            </a:extLst>
+          </p:cNvPr>
+          <p:cNvSpPr>
+            <a:spLocks noGrp="1"/>
+          </p:cNvSpPr>
+          <p:nvPr>
+            <p:ph type="title"/>
+          </p:nvPr>
+        </p:nvSpPr>
+        <p:spPr/>
+        <p:txBody>
+          <a:bodyPr/>
+          <a:lstStyle/>
+          <a:p>
+            <a:r>
+              <a:rPr lang="en-US" dirty="0"/>
+              <a:t>Works Cited</a:t>
+            </a:r>
+          </a:p>
+        </p:txBody>
+      </p:sp>
+      <p:sp>
+        <p:nvSpPr>
+          <p:cNvPr id="3" name="Content Placeholder 2">
+            <a:extLst>
+              <a:ext uri="{FF2B5EF4-FFF2-40B4-BE49-F238E27FC236}">
+                <a16:creationId xmlns:a16="http://schemas.microsoft.com/office/drawing/2014/main" id="{FD14C758-1007-49F2-8748-0CB75AC5A332}"/>
+              </a:ext>
+            </a:extLst>
+          </p:cNvPr>
+          <p:cNvSpPr>
+            <a:spLocks noGrp="1"/>
+          </p:cNvSpPr>
+          <p:nvPr>
+            <p:ph idx="1"/>
+          </p:nvPr>
+        </p:nvSpPr>
+        <p:spPr/>
+        <p:txBody>
+          <a:bodyPr/>
+          <a:lstStyle/>
+          <a:p>
+            <a:r>
+              <a:rPr lang="en-US" dirty="0" err="1"/>
+              <a:t>Marsja</a:t>
+            </a:r>
+            <a:r>
+              <a:rPr lang="en-US" dirty="0"/>
+              <a:t>, Erik. “Four Ways to Conduct One-Way ANOVA with Python.” </a:t>
+            </a:r>
+            <a:r>
+              <a:rPr lang="en-US" i="1" dirty="0"/>
+              <a:t>Erik </a:t>
+            </a:r>
+            <a:r>
+              <a:rPr lang="en-US" i="1" dirty="0" err="1"/>
+              <a:t>Marsja</a:t>
+            </a:r>
+            <a:r>
+              <a:rPr lang="en-US" dirty="0"/>
+              <a:t>, 19 Nov. 2020,</a:t>
+            </a:r>
+          </a:p>
+          <a:p>
+            <a:r>
+              <a:rPr lang="en-US" dirty="0"/>
+              <a:t>“2020 - CPI.” </a:t>
+            </a:r>
+            <a:r>
+              <a:rPr lang="en-US" i="1" dirty="0">
+                <a:hlinkClick r:id="rId2"/>
+              </a:rPr>
+              <a:t>Transparency.org</a:t>
+            </a:r>
+            <a:r>
+              <a:rPr lang="en-US" dirty="0"/>
+              <a:t>, </a:t>
+            </a:r>
+            <a:r>
+              <a:rPr lang="en-US" dirty="0">
+                <a:hlinkClick r:id="rId3"/>
+              </a:rPr>
+              <a:t>www.transparency.org/en/cpi/2020</a:t>
+            </a:r>
+            <a:r>
+              <a:rPr lang="en-US" dirty="0"/>
+              <a:t>.</a:t>
+            </a:r>
+          </a:p>
+          <a:p>
+            <a:r>
+              <a:rPr lang="en-US" dirty="0"/>
+              <a:t>“Schengen Countries: Visa Information for Schengen Area.” </a:t>
+            </a:r>
+            <a:r>
+              <a:rPr lang="en-US" i="1" dirty="0"/>
+              <a:t>ETIAS Visa Waiver for Europe</a:t>
+            </a:r>
+            <a:r>
+              <a:rPr lang="en-US" dirty="0"/>
+              <a:t>, </a:t>
+            </a:r>
+            <a:r>
+              <a:rPr lang="en-US" dirty="0">
+                <a:hlinkClick r:id="rId4"/>
+              </a:rPr>
+              <a:t>www.etiasvisa.com/schengen-visa/countries</a:t>
+            </a:r>
+            <a:r>
+              <a:rPr lang="en-US" dirty="0"/>
+              <a:t>.</a:t>
+            </a:r>
+          </a:p>
+          <a:p>
+            <a:r>
+              <a:rPr lang="en-US" i="1" dirty="0"/>
+              <a:t>Regions of Western Europe</a:t>
+            </a:r>
+            <a:r>
+              <a:rPr lang="en-US" dirty="0"/>
+              <a:t>, </a:t>
+            </a:r>
+            <a:r>
+              <a:rPr lang="en-US" dirty="0">
+                <a:hlinkClick r:id="rId5"/>
+              </a:rPr>
+              <a:t>saylordotorg.github.io/</a:t>
+            </a:r>
+            <a:r>
+              <a:rPr lang="en-US" dirty="0" err="1">
+                <a:hlinkClick r:id="rId5"/>
+              </a:rPr>
+              <a:t>text_world</a:t>
+            </a:r>
+            <a:r>
+              <a:rPr lang="en-US" dirty="0">
+                <a:hlinkClick r:id="rId5"/>
+              </a:rPr>
+              <a:t>-regional-geography-people-places-and-globalization/s05-04-regions-of-western-europe.html</a:t>
+            </a:r>
+            <a:r>
+              <a:rPr lang="en-US" dirty="0"/>
+              <a:t>.</a:t>
+            </a:r>
+          </a:p>
+          <a:p>
+            <a:r>
+              <a:rPr lang="en-US" dirty="0"/>
+              <a:t> “Boxplot : Outliers Labels Python.” Edited by Andrea </a:t>
+            </a:r>
+            <a:r>
+              <a:rPr lang="en-US" dirty="0" err="1"/>
+              <a:t>Blengino</a:t>
+            </a:r>
+            <a:r>
+              <a:rPr lang="en-US" dirty="0"/>
+              <a:t> 4, </a:t>
+            </a:r>
+            <a:r>
+              <a:rPr lang="en-US" i="1" dirty="0"/>
+              <a:t>Stack Overflow</a:t>
+            </a:r>
+            <a:r>
+              <a:rPr lang="en-US" dirty="0"/>
+              <a:t>, 7 Nov. 2016, 16:41, </a:t>
+            </a:r>
+            <a:r>
+              <a:rPr lang="en-US" dirty="0">
+                <a:hlinkClick r:id="rId6"/>
+              </a:rPr>
+              <a:t>stackoverflow.com/questions/40470175/boxplot-outliers-labels-python</a:t>
+            </a:r>
+            <a:r>
+              <a:rPr lang="en-US" dirty="0"/>
+              <a:t>.</a:t>
+            </a:r>
+          </a:p>
+          <a:p>
+            <a:r>
+              <a:rPr lang="en-US" dirty="0"/>
+              <a:t>Mooney, Paul. “Latitude and Longitude for Every Country and State.” </a:t>
+            </a:r>
+            <a:r>
+              <a:rPr lang="en-US" i="1" dirty="0"/>
+              <a:t>Kaggle</a:t>
+            </a:r>
+            <a:r>
+              <a:rPr lang="en-US" dirty="0"/>
+              <a:t>, 13 Mar. </a:t>
+            </a:r>
+            <a:r>
+              <a:rPr lang="en-US"/>
+              <a:t>2020, </a:t>
+            </a:r>
+            <a:r>
+              <a:rPr lang="en-US">
+                <a:hlinkClick r:id="rId7"/>
+              </a:rPr>
+              <a:t>www.kaggle.com/paultimothymooney/latitude-and-longitude-for-every-country-and-state</a:t>
+            </a:r>
+            <a:r>
+              <a:rPr lang="en-US"/>
+              <a:t>.</a:t>
+            </a:r>
+            <a:endParaRPr lang="en-US" dirty="0"/>
+          </a:p>
+        </p:txBody>
+      </p:sp>
+    </p:spTree>
+    <p:extLst>
+      <p:ext uri="{BB962C8B-B14F-4D97-AF65-F5344CB8AC3E}">
+        <p14:creationId xmlns:p14="http://schemas.microsoft.com/office/powerpoint/2010/main" val="1081500274"/>
       </p:ext>
     </p:extLst>
   </p:cSld>
@@ -5060,7 +5543,12 @@
             <p:ph idx="1"/>
           </p:nvPr>
         </p:nvSpPr>
-        <p:spPr/>
+        <p:spPr>
+          <a:xfrm>
+            <a:off x="1066800" y="2103120"/>
+            <a:ext cx="6183086" cy="3849624"/>
+          </a:xfrm>
+        </p:spPr>
         <p:txBody>
           <a:bodyPr/>
           <a:lstStyle/>
@@ -5068,39 +5556,131 @@
             <a:pPr lvl="0"/>
             <a:r>
               <a:rPr lang="en-US" sz="1600" dirty="0"/>
-              <a:t>Motivation &amp; Summary Slide</a:t>
+              <a:t>What’s going on in the data?</a:t>
             </a:r>
           </a:p>
           <a:p>
             <a:pPr lvl="1"/>
             <a:r>
               <a:rPr lang="en-US" sz="1400" dirty="0"/>
-              <a:t>Richer and more developed countries should fair better during the pandemic</a:t>
+              <a:t>We thought richer and more developed countries should fair better during the pandemic, but…</a:t>
             </a:r>
           </a:p>
           <a:p>
             <a:pPr lvl="1"/>
             <a:r>
               <a:rPr lang="en-US" sz="1400" dirty="0"/>
-              <a:t>Look at various factors we believed might be at play</a:t>
+              <a:t>We looked at various factors we believed might be at play</a:t>
+            </a:r>
+          </a:p>
+          <a:p>
+            <a:pPr lvl="2"/>
+            <a:r>
+              <a:rPr lang="en-US" sz="1300" dirty="0"/>
+              <a:t>GDP, Population, Population Density</a:t>
+            </a:r>
+          </a:p>
+          <a:p>
+            <a:pPr lvl="2"/>
+            <a:endParaRPr lang="en-US" sz="1300" dirty="0"/>
+          </a:p>
+          <a:p>
+            <a:pPr lvl="2"/>
+            <a:r>
+              <a:rPr lang="en-US" sz="1300" dirty="0"/>
+              <a:t>Corruption index, Human Decency index</a:t>
             </a:r>
           </a:p>
           <a:p>
             <a:pPr lvl="1"/>
+            <a:endParaRPr lang="en-US" sz="1400" dirty="0"/>
+          </a:p>
+          <a:p>
+            <a:pPr lvl="1"/>
             <a:r>
               <a:rPr lang="en-US" sz="1400" dirty="0"/>
-              <a:t>Determined that there may be information bias – higher GDP countries had better testing and reporting</a:t>
+              <a:t>Ultimately we believe that there may be information bias – higher GDP countries had better testing and reporting</a:t>
             </a:r>
           </a:p>
           <a:p>
             <a:pPr lvl="1"/>
             <a:r>
               <a:rPr lang="en-US" sz="1400" dirty="0"/>
-              <a:t>We thought transparency might play a role</a:t>
+              <a:t>Some evidence to support GDP and Population Density</a:t>
             </a:r>
           </a:p>
           <a:p>
             <a:endParaRPr lang="en-US" dirty="0"/>
+          </a:p>
+        </p:txBody>
+      </p:sp>
+      <p:pic>
+        <p:nvPicPr>
+          <p:cNvPr id="5" name="Picture 4">
+            <a:extLst>
+              <a:ext uri="{FF2B5EF4-FFF2-40B4-BE49-F238E27FC236}">
+                <a16:creationId xmlns:a16="http://schemas.microsoft.com/office/drawing/2014/main" id="{3DB9ECD5-F3EF-4B34-A867-568C89DA8E93}"/>
+              </a:ext>
+            </a:extLst>
+          </p:cNvPr>
+          <p:cNvPicPr>
+            <a:picLocks noChangeAspect="1"/>
+          </p:cNvPicPr>
+          <p:nvPr/>
+        </p:nvPicPr>
+        <p:blipFill>
+          <a:blip r:embed="rId2"/>
+          <a:stretch>
+            <a:fillRect/>
+          </a:stretch>
+        </p:blipFill>
+        <p:spPr>
+          <a:xfrm>
+            <a:off x="7458269" y="2103120"/>
+            <a:ext cx="3753519" cy="2815139"/>
+          </a:xfrm>
+          <a:prstGeom prst="rect">
+            <a:avLst/>
+          </a:prstGeom>
+        </p:spPr>
+      </p:pic>
+      <p:sp>
+        <p:nvSpPr>
+          <p:cNvPr id="6" name="Rectangle 5">
+            <a:extLst>
+              <a:ext uri="{FF2B5EF4-FFF2-40B4-BE49-F238E27FC236}">
+                <a16:creationId xmlns:a16="http://schemas.microsoft.com/office/drawing/2014/main" id="{9EB07951-EED8-4153-AAD8-7A3C0A0BD52E}"/>
+              </a:ext>
+            </a:extLst>
+          </p:cNvPr>
+          <p:cNvSpPr/>
+          <p:nvPr/>
+        </p:nvSpPr>
+        <p:spPr>
+          <a:xfrm>
+            <a:off x="6630954" y="6137410"/>
+            <a:ext cx="6096000" cy="369332"/>
+          </a:xfrm>
+          <a:prstGeom prst="rect">
+            <a:avLst/>
+          </a:prstGeom>
+        </p:spPr>
+        <p:txBody>
+          <a:bodyPr>
+            <a:spAutoFit/>
+          </a:bodyPr>
+          <a:lstStyle/>
+          <a:p>
+            <a:r>
+              <a:rPr lang="en-US" sz="900" dirty="0"/>
+              <a:t>Picture credit: </a:t>
+            </a:r>
+          </a:p>
+          <a:p>
+            <a:r>
+              <a:rPr lang="en-US" sz="900" dirty="0"/>
+              <a:t>https://www.vanityfair.com/news/2020/03/anthony-fauci-on-dealing-with-coronavirus-and-trump</a:t>
+            </a:r>
           </a:p>
         </p:txBody>
       </p:sp>
@@ -5152,7 +5732,7 @@
         </p:nvSpPr>
         <p:spPr>
           <a:xfrm>
-            <a:off x="656253" y="4813377"/>
+            <a:off x="992155" y="511965"/>
             <a:ext cx="2805404" cy="1371600"/>
           </a:xfrm>
         </p:spPr>
@@ -5191,7 +5771,7 @@
         </p:blipFill>
         <p:spPr>
           <a:xfrm>
-            <a:off x="1001485" y="830727"/>
+            <a:off x="1066800" y="1883565"/>
             <a:ext cx="10058400" cy="3446632"/>
           </a:xfrm>
           <a:prstGeom prst="rect">
@@ -5199,50 +5779,80 @@
           </a:prstGeom>
         </p:spPr>
       </p:pic>
-      <p:sp>
-        <p:nvSpPr>
-          <p:cNvPr id="5" name="TextBox 4">
+      <p:cxnSp>
+        <p:nvCxnSpPr>
+          <p:cNvPr id="8" name="Straight Connector 7">
             <a:extLst>
               <a:ext uri="{FF2B5EF4-FFF2-40B4-BE49-F238E27FC236}">
-                <a16:creationId xmlns:a16="http://schemas.microsoft.com/office/drawing/2014/main" id="{4162FBED-32F3-4664-9283-09716C083069}"/>
+                <a16:creationId xmlns:a16="http://schemas.microsoft.com/office/drawing/2014/main" id="{B878D129-5310-4C86-9B22-4A24C713C771}"/>
               </a:ext>
             </a:extLst>
           </p:cNvPr>
-          <p:cNvSpPr txBox="1"/>
+          <p:cNvCxnSpPr/>
           <p:nvPr/>
-        </p:nvSpPr>
-        <p:spPr>
-          <a:xfrm>
-            <a:off x="3461658" y="4954555"/>
-            <a:ext cx="7598228" cy="830997"/>
-          </a:xfrm>
-          <a:prstGeom prst="rect">
+        </p:nvCxnSpPr>
+        <p:spPr>
+          <a:xfrm>
+            <a:off x="6095999" y="3694922"/>
+            <a:ext cx="2377440" cy="0"/>
+          </a:xfrm>
+          <a:prstGeom prst="line">
             <a:avLst/>
           </a:prstGeom>
-          <a:noFill/>
-        </p:spPr>
-        <p:txBody>
-          <a:bodyPr wrap="square" rtlCol="0">
-            <a:spAutoFit/>
-          </a:bodyPr>
-          <a:lstStyle/>
-          <a:p>
-            <a:r>
-              <a:rPr lang="en-US" sz="1600" dirty="0"/>
-              <a:t>Independent Variables: Population, GDP, HDI, CPI, Cases</a:t>
-            </a:r>
-          </a:p>
-          <a:p>
-            <a:endParaRPr lang="en-US" sz="1600" dirty="0"/>
-          </a:p>
-          <a:p>
-            <a:r>
-              <a:rPr lang="en-US" sz="1600" dirty="0"/>
-              <a:t>Dependent Variables: Cases, Deaths</a:t>
-            </a:r>
-          </a:p>
-        </p:txBody>
-      </p:sp>
+        </p:spPr>
+        <p:style>
+          <a:lnRef idx="1">
+            <a:schemeClr val="accent1"/>
+          </a:lnRef>
+          <a:fillRef idx="0">
+            <a:schemeClr val="accent1"/>
+          </a:fillRef>
+          <a:effectRef idx="0">
+            <a:schemeClr val="accent1"/>
+          </a:effectRef>
+          <a:fontRef idx="minor">
+            <a:schemeClr val="tx1"/>
+          </a:fontRef>
+        </p:style>
+      </p:cxnSp>
+      <p:cxnSp>
+        <p:nvCxnSpPr>
+          <p:cNvPr id="9" name="Straight Connector 8">
+            <a:extLst>
+              <a:ext uri="{FF2B5EF4-FFF2-40B4-BE49-F238E27FC236}">
+                <a16:creationId xmlns:a16="http://schemas.microsoft.com/office/drawing/2014/main" id="{7BD37BE7-0B0F-4671-8552-FF5E3507A2A2}"/>
+              </a:ext>
+            </a:extLst>
+          </p:cNvPr>
+          <p:cNvCxnSpPr>
+            <a:cxnSpLocks/>
+          </p:cNvCxnSpPr>
+          <p:nvPr/>
+        </p:nvCxnSpPr>
+        <p:spPr>
+          <a:xfrm flipV="1">
+            <a:off x="4618651" y="4005944"/>
+            <a:ext cx="3004459" cy="31103"/>
+          </a:xfrm>
+          <a:prstGeom prst="line">
+            <a:avLst/>
+          </a:prstGeom>
+        </p:spPr>
+        <p:style>
+          <a:lnRef idx="1">
+            <a:schemeClr val="accent1"/>
+          </a:lnRef>
+          <a:fillRef idx="0">
+            <a:schemeClr val="accent1"/>
+          </a:fillRef>
+          <a:effectRef idx="0">
+            <a:schemeClr val="accent1"/>
+          </a:effectRef>
+          <a:fontRef idx="minor">
+            <a:schemeClr val="tx1"/>
+          </a:fontRef>
+        </p:style>
+      </p:cxnSp>
     </p:spTree>
     <p:extLst>
       <p:ext uri="{BB962C8B-B14F-4D97-AF65-F5344CB8AC3E}">
@@ -5296,7 +5906,7 @@
           <a:p>
             <a:r>
               <a:rPr lang="en-US" dirty="0"/>
-              <a:t>Data exploration, clean up &amp; analysis</a:t>
+              <a:t>Data clean up</a:t>
             </a:r>
           </a:p>
         </p:txBody>
@@ -5317,64 +5927,72 @@
             <p:ph idx="1"/>
           </p:nvPr>
         </p:nvSpPr>
-        <p:spPr/>
-        <p:txBody>
-          <a:bodyPr/>
+        <p:spPr>
+          <a:xfrm>
+            <a:off x="1066800" y="2103120"/>
+            <a:ext cx="10058400" cy="1461174"/>
+          </a:xfrm>
+        </p:spPr>
+        <p:txBody>
+          <a:bodyPr>
+            <a:normAutofit/>
+          </a:bodyPr>
           <a:lstStyle/>
           <a:p>
             <a:r>
               <a:rPr lang="en-US" dirty="0"/>
-              <a:t>Clean up</a:t>
-            </a:r>
-          </a:p>
-          <a:p>
-            <a:pPr lvl="1"/>
+              <a:t>It was a big dataset, so we removed the extra data and </a:t>
+            </a:r>
+            <a:r>
+              <a:rPr lang="en-US" dirty="0" err="1"/>
+              <a:t>NaNs</a:t>
+            </a:r>
+            <a:endParaRPr lang="en-US" dirty="0"/>
+          </a:p>
+          <a:p>
             <a:r>
               <a:rPr lang="en-US" dirty="0"/>
-              <a:t>Had to drop some data because some countries weren’t reporting certain criteria</a:t>
+              <a:t>We merged with the transparency data, lost a few countries</a:t>
             </a:r>
           </a:p>
           <a:p>
             <a:r>
               <a:rPr lang="en-US" dirty="0"/>
-              <a:t>Exploration</a:t>
-            </a:r>
-          </a:p>
-          <a:p>
-            <a:pPr lvl="1"/>
-            <a:r>
-              <a:rPr lang="en-US" dirty="0"/>
-              <a:t>Looked at different timepoints</a:t>
-            </a:r>
-          </a:p>
-          <a:p>
-            <a:pPr lvl="1"/>
-            <a:r>
-              <a:rPr lang="en-US" dirty="0"/>
-              <a:t>Looked at different independent variables</a:t>
-            </a:r>
-          </a:p>
-          <a:p>
-            <a:r>
-              <a:rPr lang="en-US" dirty="0"/>
-              <a:t>Analysis</a:t>
-            </a:r>
-          </a:p>
-          <a:p>
-            <a:pPr lvl="1"/>
-            <a:r>
-              <a:rPr lang="en-US" dirty="0"/>
-              <a:t>Determined … </a:t>
-            </a:r>
-          </a:p>
-          <a:p>
-            <a:r>
-              <a:rPr lang="en-US" dirty="0"/>
-              <a:t>Go to Notebook</a:t>
-            </a:r>
-          </a:p>
-        </p:txBody>
-      </p:sp>
+              <a:t>Then got to work exploring the dataset</a:t>
+            </a:r>
+          </a:p>
+        </p:txBody>
+      </p:sp>
+      <p:pic>
+        <p:nvPicPr>
+          <p:cNvPr id="4" name="Picture 3">
+            <a:extLst>
+              <a:ext uri="{FF2B5EF4-FFF2-40B4-BE49-F238E27FC236}">
+                <a16:creationId xmlns:a16="http://schemas.microsoft.com/office/drawing/2014/main" id="{BFC2FCDD-C417-4B89-829B-43D3DE9A43D4}"/>
+              </a:ext>
+            </a:extLst>
+          </p:cNvPr>
+          <p:cNvPicPr>
+            <a:picLocks noChangeAspect="1"/>
+          </p:cNvPicPr>
+          <p:nvPr/>
+        </p:nvPicPr>
+        <p:blipFill>
+          <a:blip r:embed="rId2"/>
+          <a:stretch>
+            <a:fillRect/>
+          </a:stretch>
+        </p:blipFill>
+        <p:spPr>
+          <a:xfrm>
+            <a:off x="1066800" y="3653220"/>
+            <a:ext cx="8663353" cy="1860074"/>
+          </a:xfrm>
+          <a:prstGeom prst="rect">
+            <a:avLst/>
+          </a:prstGeom>
+        </p:spPr>
+      </p:pic>
     </p:spTree>
     <p:extLst>
       <p:ext uri="{BB962C8B-B14F-4D97-AF65-F5344CB8AC3E}">
@@ -5428,7 +6046,7 @@
           <a:p>
             <a:r>
               <a:rPr lang="en-US" dirty="0"/>
-              <a:t>Regressions</a:t>
+              <a:t>Data exploration</a:t>
             </a:r>
           </a:p>
         </p:txBody>
@@ -5511,36 +6129,40 @@
           <a:p>
             <a:r>
               <a:rPr lang="en-US" dirty="0"/>
-              <a:t>HDI</a:t>
-            </a:r>
-          </a:p>
-        </p:txBody>
-      </p:sp>
-      <p:sp>
-        <p:nvSpPr>
-          <p:cNvPr id="3" name="Content Placeholder 2">
+              <a:t>Regression - GDP</a:t>
+            </a:r>
+          </a:p>
+        </p:txBody>
+      </p:sp>
+      <p:pic>
+        <p:nvPicPr>
+          <p:cNvPr id="9" name="Content Placeholder 8">
             <a:extLst>
               <a:ext uri="{FF2B5EF4-FFF2-40B4-BE49-F238E27FC236}">
-                <a16:creationId xmlns:a16="http://schemas.microsoft.com/office/drawing/2014/main" id="{3346157F-BD00-3F42-9C14-EC1A4505B9FA}"/>
+                <a16:creationId xmlns:a16="http://schemas.microsoft.com/office/drawing/2014/main" id="{97AC2EEB-9339-4B70-AC7A-0E89321C9D7A}"/>
               </a:ext>
             </a:extLst>
           </p:cNvPr>
-          <p:cNvSpPr>
-            <a:spLocks noGrp="1"/>
-          </p:cNvSpPr>
+          <p:cNvPicPr>
+            <a:picLocks noGrp="1" noChangeAspect="1"/>
+          </p:cNvPicPr>
           <p:nvPr>
             <p:ph idx="1"/>
           </p:nvPr>
-        </p:nvSpPr>
-        <p:spPr/>
-        <p:txBody>
-          <a:bodyPr/>
-          <a:lstStyle/>
-          <a:p>
-            <a:endParaRPr lang="en-US"/>
-          </a:p>
-        </p:txBody>
-      </p:sp>
+        </p:nvPicPr>
+        <p:blipFill>
+          <a:blip r:embed="rId2"/>
+          <a:stretch>
+            <a:fillRect/>
+          </a:stretch>
+        </p:blipFill>
+        <p:spPr>
+          <a:xfrm>
+            <a:off x="3352175" y="2199065"/>
+            <a:ext cx="5487650" cy="3658433"/>
+          </a:xfrm>
+        </p:spPr>
+      </p:pic>
     </p:spTree>
     <p:extLst>
       <p:ext uri="{BB962C8B-B14F-4D97-AF65-F5344CB8AC3E}">
@@ -5576,7 +6198,7 @@
           <p:cNvPr id="2" name="Title 1">
             <a:extLst>
               <a:ext uri="{FF2B5EF4-FFF2-40B4-BE49-F238E27FC236}">
-                <a16:creationId xmlns:a16="http://schemas.microsoft.com/office/drawing/2014/main" id="{9657893A-76E5-4651-BA3B-1AEB0D5CFBA1}"/>
+                <a16:creationId xmlns:a16="http://schemas.microsoft.com/office/drawing/2014/main" id="{F9F6397B-408C-184B-84D9-36085B790493}"/>
               </a:ext>
             </a:extLst>
           </p:cNvPr>
@@ -5594,40 +6216,44 @@
           <a:p>
             <a:r>
               <a:rPr lang="en-US" dirty="0"/>
-              <a:t>Maps</a:t>
-            </a:r>
-          </a:p>
-        </p:txBody>
-      </p:sp>
-      <p:sp>
-        <p:nvSpPr>
-          <p:cNvPr id="3" name="Text Placeholder 2">
+              <a:t>Regression – Population </a:t>
+            </a:r>
+          </a:p>
+        </p:txBody>
+      </p:sp>
+      <p:pic>
+        <p:nvPicPr>
+          <p:cNvPr id="7" name="Content Placeholder 6">
             <a:extLst>
               <a:ext uri="{FF2B5EF4-FFF2-40B4-BE49-F238E27FC236}">
-                <a16:creationId xmlns:a16="http://schemas.microsoft.com/office/drawing/2014/main" id="{69721454-1DA3-4A97-8B99-406033EA88D4}"/>
+                <a16:creationId xmlns:a16="http://schemas.microsoft.com/office/drawing/2014/main" id="{E56B7498-07C6-4EBB-9DB8-05CCF4E7D3E0}"/>
               </a:ext>
             </a:extLst>
           </p:cNvPr>
-          <p:cNvSpPr>
-            <a:spLocks noGrp="1"/>
-          </p:cNvSpPr>
-          <p:nvPr>
-            <p:ph type="body" idx="1"/>
-          </p:nvPr>
-        </p:nvSpPr>
-        <p:spPr/>
-        <p:txBody>
-          <a:bodyPr/>
-          <a:lstStyle/>
-          <a:p>
-            <a:endParaRPr lang="en-US"/>
-          </a:p>
-        </p:txBody>
-      </p:sp>
+          <p:cNvPicPr>
+            <a:picLocks noGrp="1" noChangeAspect="1"/>
+          </p:cNvPicPr>
+          <p:nvPr>
+            <p:ph idx="1"/>
+          </p:nvPr>
+        </p:nvPicPr>
+        <p:blipFill>
+          <a:blip r:embed="rId2"/>
+          <a:stretch>
+            <a:fillRect/>
+          </a:stretch>
+        </p:blipFill>
+        <p:spPr>
+          <a:xfrm>
+            <a:off x="3352175" y="2199065"/>
+            <a:ext cx="5487650" cy="3658433"/>
+          </a:xfrm>
+        </p:spPr>
+      </p:pic>
     </p:spTree>
     <p:extLst>
       <p:ext uri="{BB962C8B-B14F-4D97-AF65-F5344CB8AC3E}">
-        <p14:creationId xmlns:p14="http://schemas.microsoft.com/office/powerpoint/2010/main" val="2640643277"/>
+        <p14:creationId xmlns:p14="http://schemas.microsoft.com/office/powerpoint/2010/main" val="1443455896"/>
       </p:ext>
     </p:extLst>
   </p:cSld>
@@ -5659,7 +6285,7 @@
           <p:cNvPr id="2" name="Title 1">
             <a:extLst>
               <a:ext uri="{FF2B5EF4-FFF2-40B4-BE49-F238E27FC236}">
-                <a16:creationId xmlns:a16="http://schemas.microsoft.com/office/drawing/2014/main" id="{70344A4F-DB98-504A-B055-51A6F7CB5B99}"/>
+                <a16:creationId xmlns:a16="http://schemas.microsoft.com/office/drawing/2014/main" id="{F9F6397B-408C-184B-84D9-36085B790493}"/>
               </a:ext>
             </a:extLst>
           </p:cNvPr>
@@ -5670,29 +6296,24 @@
             <p:ph type="title"/>
           </p:nvPr>
         </p:nvSpPr>
-        <p:spPr>
-          <a:xfrm>
-            <a:off x="365343" y="367022"/>
-            <a:ext cx="10058400" cy="772846"/>
-          </a:xfrm>
-        </p:spPr>
+        <p:spPr/>
         <p:txBody>
           <a:bodyPr/>
           <a:lstStyle/>
           <a:p>
             <a:r>
               <a:rPr lang="en-US" dirty="0"/>
-              <a:t>GDP</a:t>
+              <a:t>Regression – Transparency </a:t>
             </a:r>
           </a:p>
         </p:txBody>
       </p:sp>
       <p:pic>
         <p:nvPicPr>
-          <p:cNvPr id="5" name="Content Placeholder 4" descr="A map of the world&#10;&#10;Description automatically generated">
+          <p:cNvPr id="6" name="Content Placeholder 5">
             <a:extLst>
               <a:ext uri="{FF2B5EF4-FFF2-40B4-BE49-F238E27FC236}">
-                <a16:creationId xmlns:a16="http://schemas.microsoft.com/office/drawing/2014/main" id="{C76AD6D5-E24C-E04F-A620-66C295785BA9}"/>
+                <a16:creationId xmlns:a16="http://schemas.microsoft.com/office/drawing/2014/main" id="{B32E526D-0C65-4239-B5F3-E0E13B25BAF2}"/>
               </a:ext>
             </a:extLst>
           </p:cNvPr>
@@ -5711,50 +6332,15 @@
         </p:blipFill>
         <p:spPr>
           <a:xfrm>
-            <a:off x="2497152" y="2427490"/>
-            <a:ext cx="7623877" cy="4063488"/>
+            <a:off x="3352175" y="2199065"/>
+            <a:ext cx="5487650" cy="3658433"/>
           </a:xfrm>
         </p:spPr>
       </p:pic>
-      <p:sp>
-        <p:nvSpPr>
-          <p:cNvPr id="6" name="TextBox 5">
-            <a:extLst>
-              <a:ext uri="{FF2B5EF4-FFF2-40B4-BE49-F238E27FC236}">
-                <a16:creationId xmlns:a16="http://schemas.microsoft.com/office/drawing/2014/main" id="{53F3B029-2F8B-6D44-8824-A13ECE0CBCEA}"/>
-              </a:ext>
-            </a:extLst>
-          </p:cNvPr>
-          <p:cNvSpPr txBox="1"/>
-          <p:nvPr/>
-        </p:nvSpPr>
-        <p:spPr>
-          <a:xfrm>
-            <a:off x="901874" y="1139868"/>
-            <a:ext cx="9068844" cy="369332"/>
-          </a:xfrm>
-          <a:prstGeom prst="rect">
-            <a:avLst/>
-          </a:prstGeom>
-          <a:noFill/>
-        </p:spPr>
-        <p:txBody>
-          <a:bodyPr wrap="square" rtlCol="0">
-            <a:spAutoFit/>
-          </a:bodyPr>
-          <a:lstStyle/>
-          <a:p>
-            <a:r>
-              <a:rPr lang="en-US" dirty="0"/>
-              <a:t>Blah blah blah, very important things about what we assumed</a:t>
-            </a:r>
-          </a:p>
-        </p:txBody>
-      </p:sp>
     </p:spTree>
     <p:extLst>
       <p:ext uri="{BB962C8B-B14F-4D97-AF65-F5344CB8AC3E}">
-        <p14:creationId xmlns:p14="http://schemas.microsoft.com/office/powerpoint/2010/main" val="1111871775"/>
+        <p14:creationId xmlns:p14="http://schemas.microsoft.com/office/powerpoint/2010/main" val="3144342439"/>
       </p:ext>
     </p:extLst>
   </p:cSld>
@@ -5786,7 +6372,7 @@
           <p:cNvPr id="2" name="Title 1">
             <a:extLst>
               <a:ext uri="{FF2B5EF4-FFF2-40B4-BE49-F238E27FC236}">
-                <a16:creationId xmlns:a16="http://schemas.microsoft.com/office/drawing/2014/main" id="{9BA9EBF2-9833-614C-AB61-8CCB9FD424BC}"/>
+                <a16:creationId xmlns:a16="http://schemas.microsoft.com/office/drawing/2014/main" id="{F9F6397B-408C-184B-84D9-36085B790493}"/>
               </a:ext>
             </a:extLst>
           </p:cNvPr>
@@ -5804,40 +6390,44 @@
           <a:p>
             <a:r>
               <a:rPr lang="en-US" dirty="0"/>
-              <a:t>GDP Scatter</a:t>
-            </a:r>
-          </a:p>
-        </p:txBody>
-      </p:sp>
-      <p:sp>
-        <p:nvSpPr>
-          <p:cNvPr id="3" name="Content Placeholder 2">
+              <a:t>Regression – HDI (More Correlated)</a:t>
+            </a:r>
+          </a:p>
+        </p:txBody>
+      </p:sp>
+      <p:pic>
+        <p:nvPicPr>
+          <p:cNvPr id="7" name="Content Placeholder 6">
             <a:extLst>
               <a:ext uri="{FF2B5EF4-FFF2-40B4-BE49-F238E27FC236}">
-                <a16:creationId xmlns:a16="http://schemas.microsoft.com/office/drawing/2014/main" id="{88B1D50F-EC03-3E4F-9F23-7DEC314B994B}"/>
+                <a16:creationId xmlns:a16="http://schemas.microsoft.com/office/drawing/2014/main" id="{8E60BB84-EAE0-4174-8A9F-300E38993389}"/>
               </a:ext>
             </a:extLst>
           </p:cNvPr>
-          <p:cNvSpPr>
-            <a:spLocks noGrp="1"/>
-          </p:cNvSpPr>
+          <p:cNvPicPr>
+            <a:picLocks noGrp="1" noChangeAspect="1"/>
+          </p:cNvPicPr>
           <p:nvPr>
             <p:ph idx="1"/>
           </p:nvPr>
-        </p:nvSpPr>
-        <p:spPr/>
-        <p:txBody>
-          <a:bodyPr/>
-          <a:lstStyle/>
-          <a:p>
-            <a:endParaRPr lang="en-US" dirty="0"/>
-          </a:p>
-        </p:txBody>
-      </p:sp>
+        </p:nvPicPr>
+        <p:blipFill>
+          <a:blip r:embed="rId2"/>
+          <a:stretch>
+            <a:fillRect/>
+          </a:stretch>
+        </p:blipFill>
+        <p:spPr>
+          <a:xfrm>
+            <a:off x="3352175" y="2199065"/>
+            <a:ext cx="5487650" cy="3658433"/>
+          </a:xfrm>
+        </p:spPr>
+      </p:pic>
     </p:spTree>
     <p:extLst>
       <p:ext uri="{BB962C8B-B14F-4D97-AF65-F5344CB8AC3E}">
-        <p14:creationId xmlns:p14="http://schemas.microsoft.com/office/powerpoint/2010/main" val="4150662459"/>
+        <p14:creationId xmlns:p14="http://schemas.microsoft.com/office/powerpoint/2010/main" val="3819376967"/>
       </p:ext>
     </p:extLst>
   </p:cSld>
